--- a/Documentation/Presentation TSBK07 CMS.pptx
+++ b/Documentation/Presentation TSBK07 CMS.pptx
@@ -5,7 +5,7 @@
     <p:sldMasterId id="2147483684" r:id="rId1"/>
   </p:sldMasterIdLst>
   <p:handoutMasterIdLst>
-    <p:handoutMasterId r:id="rId31"/>
+    <p:handoutMasterId r:id="rId12"/>
   </p:handoutMasterIdLst>
   <p:sldIdLst>
     <p:sldId id="256" r:id="rId2"/>
@@ -18,25 +18,6 @@
     <p:sldId id="294" r:id="rId9"/>
     <p:sldId id="295" r:id="rId10"/>
     <p:sldId id="296" r:id="rId11"/>
-    <p:sldId id="262" r:id="rId12"/>
-    <p:sldId id="272" r:id="rId13"/>
-    <p:sldId id="264" r:id="rId14"/>
-    <p:sldId id="269" r:id="rId15"/>
-    <p:sldId id="273" r:id="rId16"/>
-    <p:sldId id="275" r:id="rId17"/>
-    <p:sldId id="276" r:id="rId18"/>
-    <p:sldId id="277" r:id="rId19"/>
-    <p:sldId id="278" r:id="rId20"/>
-    <p:sldId id="279" r:id="rId21"/>
-    <p:sldId id="281" r:id="rId22"/>
-    <p:sldId id="274" r:id="rId23"/>
-    <p:sldId id="290" r:id="rId24"/>
-    <p:sldId id="285" r:id="rId25"/>
-    <p:sldId id="288" r:id="rId26"/>
-    <p:sldId id="280" r:id="rId27"/>
-    <p:sldId id="261" r:id="rId28"/>
-    <p:sldId id="286" r:id="rId29"/>
-    <p:sldId id="258" r:id="rId30"/>
   </p:sldIdLst>
   <p:sldSz cx="9144000" cy="6858000" type="screen4x3"/>
   <p:notesSz cx="6858000" cy="9144000"/>
@@ -4246,1202 +4227,6 @@
 </p:sld>
 </file>
 
-<file path=ppt/slides/slide11.xml><?xml version="1.0" encoding="utf-8"?>
-<p:sld xmlns:a="http://schemas.openxmlformats.org/drawingml/2006/main" xmlns:r="http://schemas.openxmlformats.org/officeDocument/2006/relationships" xmlns:p="http://schemas.openxmlformats.org/presentationml/2006/main">
-  <p:cSld>
-    <p:spTree>
-      <p:nvGrpSpPr>
-        <p:cNvPr id="1" name=""/>
-        <p:cNvGrpSpPr/>
-        <p:nvPr/>
-      </p:nvGrpSpPr>
-      <p:grpSpPr>
-        <a:xfrm>
-          <a:off x="0" y="0"/>
-          <a:ext cx="0" cy="0"/>
-          <a:chOff x="0" y="0"/>
-          <a:chExt cx="0" cy="0"/>
-        </a:xfrm>
-      </p:grpSpPr>
-      <p:sp>
-        <p:nvSpPr>
-          <p:cNvPr id="2" name="Title 1"/>
-          <p:cNvSpPr>
-            <a:spLocks noGrp="1"/>
-          </p:cNvSpPr>
-          <p:nvPr>
-            <p:ph type="title"/>
-          </p:nvPr>
-        </p:nvSpPr>
-        <p:spPr/>
-        <p:txBody>
-          <a:bodyPr/>
-          <a:lstStyle/>
-          <a:p>
-            <a:r>
-              <a:rPr lang="en-US" dirty="0" smtClean="0"/>
-              <a:t>Implementation</a:t>
-            </a:r>
-            <a:endParaRPr lang="en-US" dirty="0"/>
-          </a:p>
-        </p:txBody>
-      </p:sp>
-      <p:sp>
-        <p:nvSpPr>
-          <p:cNvPr id="3" name="Content Placeholder 2"/>
-          <p:cNvSpPr>
-            <a:spLocks noGrp="1"/>
-          </p:cNvSpPr>
-          <p:nvPr>
-            <p:ph idx="1"/>
-          </p:nvPr>
-        </p:nvSpPr>
-        <p:spPr/>
-        <p:txBody>
-          <a:bodyPr>
-            <a:normAutofit lnSpcReduction="10000"/>
-          </a:bodyPr>
-          <a:lstStyle/>
-          <a:p>
-            <a:r>
-              <a:rPr lang="sv-SE" dirty="0" smtClean="0"/>
-              <a:t>Steg  1</a:t>
-            </a:r>
-          </a:p>
-          <a:p>
-            <a:pPr lvl="1"/>
-            <a:r>
-              <a:rPr lang="sv-SE" dirty="0" smtClean="0"/>
-              <a:t>Intern kommunikation</a:t>
-            </a:r>
-          </a:p>
-          <a:p>
-            <a:pPr lvl="1"/>
-            <a:r>
-              <a:rPr lang="sv-SE" dirty="0" smtClean="0"/>
-              <a:t>Sensorer</a:t>
-            </a:r>
-          </a:p>
-          <a:p>
-            <a:pPr lvl="1"/>
-            <a:r>
-              <a:rPr lang="sv-SE" dirty="0" smtClean="0"/>
-              <a:t>Datorinterface</a:t>
-            </a:r>
-          </a:p>
-          <a:p>
-            <a:pPr lvl="1"/>
-            <a:r>
-              <a:rPr lang="sv-SE" dirty="0" smtClean="0"/>
-              <a:t>Motorenhet</a:t>
-            </a:r>
-          </a:p>
-          <a:p>
-            <a:pPr lvl="1">
-              <a:buNone/>
-            </a:pPr>
-            <a:endParaRPr lang="sv-SE" dirty="0" smtClean="0"/>
-          </a:p>
-          <a:p>
-            <a:r>
-              <a:rPr lang="sv-SE" dirty="0" smtClean="0"/>
-              <a:t>Steg 2</a:t>
-            </a:r>
-          </a:p>
-          <a:p>
-            <a:pPr lvl="1"/>
-            <a:r>
-              <a:rPr lang="sv-SE" dirty="0" err="1" smtClean="0"/>
-              <a:t>Bluetooth</a:t>
-            </a:r>
-            <a:endParaRPr lang="sv-SE" dirty="0" smtClean="0"/>
-          </a:p>
-          <a:p>
-            <a:pPr lvl="1"/>
-            <a:r>
-              <a:rPr lang="sv-SE" dirty="0" smtClean="0"/>
-              <a:t>Delar från steg 1 integreras i roboten		</a:t>
-            </a:r>
-          </a:p>
-          <a:p>
-            <a:endParaRPr lang="sv-SE" dirty="0" smtClean="0"/>
-          </a:p>
-          <a:p>
-            <a:endParaRPr lang="sv-SE" dirty="0"/>
-          </a:p>
-        </p:txBody>
-      </p:sp>
-    </p:spTree>
-  </p:cSld>
-  <p:clrMapOvr>
-    <a:masterClrMapping/>
-  </p:clrMapOvr>
-  <p:timing>
-    <p:tnLst>
-      <p:par>
-        <p:cTn id="1" dur="indefinite" restart="never" nodeType="tmRoot"/>
-      </p:par>
-    </p:tnLst>
-  </p:timing>
-</p:sld>
-</file>
-
-<file path=ppt/slides/slide12.xml><?xml version="1.0" encoding="utf-8"?>
-<p:sld xmlns:a="http://schemas.openxmlformats.org/drawingml/2006/main" xmlns:r="http://schemas.openxmlformats.org/officeDocument/2006/relationships" xmlns:p="http://schemas.openxmlformats.org/presentationml/2006/main">
-  <p:cSld>
-    <p:spTree>
-      <p:nvGrpSpPr>
-        <p:cNvPr id="1" name=""/>
-        <p:cNvGrpSpPr/>
-        <p:nvPr/>
-      </p:nvGrpSpPr>
-      <p:grpSpPr>
-        <a:xfrm>
-          <a:off x="0" y="0"/>
-          <a:ext cx="0" cy="0"/>
-          <a:chOff x="0" y="0"/>
-          <a:chExt cx="0" cy="0"/>
-        </a:xfrm>
-      </p:grpSpPr>
-      <p:sp>
-        <p:nvSpPr>
-          <p:cNvPr id="2" name="Title 1"/>
-          <p:cNvSpPr>
-            <a:spLocks noGrp="1"/>
-          </p:cNvSpPr>
-          <p:nvPr>
-            <p:ph type="title"/>
-          </p:nvPr>
-        </p:nvSpPr>
-        <p:spPr/>
-        <p:txBody>
-          <a:bodyPr/>
-          <a:lstStyle/>
-          <a:p>
-            <a:r>
-              <a:rPr lang="en-US" dirty="0" smtClean="0"/>
-              <a:t>Implementation</a:t>
-            </a:r>
-            <a:endParaRPr lang="en-US" dirty="0"/>
-          </a:p>
-        </p:txBody>
-      </p:sp>
-      <p:sp>
-        <p:nvSpPr>
-          <p:cNvPr id="3" name="Content Placeholder 2"/>
-          <p:cNvSpPr>
-            <a:spLocks noGrp="1"/>
-          </p:cNvSpPr>
-          <p:nvPr>
-            <p:ph idx="1"/>
-          </p:nvPr>
-        </p:nvSpPr>
-        <p:spPr/>
-        <p:txBody>
-          <a:bodyPr>
-            <a:normAutofit fontScale="92500" lnSpcReduction="10000"/>
-          </a:bodyPr>
-          <a:lstStyle/>
-          <a:p>
-            <a:r>
-              <a:rPr lang="sv-SE" dirty="0" smtClean="0"/>
-              <a:t>Steg 3</a:t>
-            </a:r>
-          </a:p>
-          <a:p>
-            <a:pPr lvl="1"/>
-            <a:r>
-              <a:rPr lang="sv-SE" dirty="0" smtClean="0"/>
-              <a:t>Beslut</a:t>
-            </a:r>
-          </a:p>
-          <a:p>
-            <a:pPr lvl="1"/>
-            <a:r>
-              <a:rPr lang="sv-SE" dirty="0" smtClean="0"/>
-              <a:t>Servoenhet</a:t>
-            </a:r>
-          </a:p>
-          <a:p>
-            <a:pPr lvl="1"/>
-            <a:r>
-              <a:rPr lang="sv-SE" dirty="0" err="1" smtClean="0"/>
-              <a:t>PD-Reglering</a:t>
-            </a:r>
-            <a:endParaRPr lang="sv-SE" dirty="0" smtClean="0"/>
-          </a:p>
-          <a:p>
-            <a:pPr lvl="1">
-              <a:buNone/>
-            </a:pPr>
-            <a:endParaRPr lang="sv-SE" dirty="0" smtClean="0"/>
-          </a:p>
-          <a:p>
-            <a:r>
-              <a:rPr lang="sv-SE" dirty="0" smtClean="0"/>
-              <a:t>Steg 4</a:t>
-            </a:r>
-          </a:p>
-          <a:p>
-            <a:pPr lvl="1"/>
-            <a:r>
-              <a:rPr lang="sv-SE" dirty="0" smtClean="0"/>
-              <a:t>Test</a:t>
-            </a:r>
-          </a:p>
-          <a:p>
-            <a:pPr lvl="1"/>
-            <a:r>
-              <a:rPr lang="sv-SE" dirty="0" smtClean="0"/>
-              <a:t>Gyro</a:t>
-            </a:r>
-          </a:p>
-          <a:p>
-            <a:pPr lvl="1"/>
-            <a:r>
-              <a:rPr lang="sv-SE" dirty="0" err="1" smtClean="0"/>
-              <a:t>Kalibering</a:t>
-            </a:r>
-            <a:endParaRPr lang="sv-SE" dirty="0" smtClean="0"/>
-          </a:p>
-          <a:p>
-            <a:pPr lvl="1"/>
-            <a:r>
-              <a:rPr lang="sv-SE" dirty="0" smtClean="0"/>
-              <a:t>Design	</a:t>
-            </a:r>
-            <a:endParaRPr lang="en-US" dirty="0"/>
-          </a:p>
-        </p:txBody>
-      </p:sp>
-      <p:pic>
-        <p:nvPicPr>
-          <p:cNvPr id="4" name="Picture 3" descr="H:\My Documents\Johnny 5 bilder\Virkort Paint.JPG"/>
-          <p:cNvPicPr/>
-          <p:nvPr/>
-        </p:nvPicPr>
-        <p:blipFill>
-          <a:blip r:embed="rId2" cstate="print"/>
-          <a:srcRect/>
-          <a:stretch>
-            <a:fillRect/>
-          </a:stretch>
-        </p:blipFill>
-        <p:spPr bwMode="auto">
-          <a:xfrm>
-            <a:off x="3733800" y="2286000"/>
-            <a:ext cx="5029200" cy="3867150"/>
-          </a:xfrm>
-          <a:prstGeom prst="rect">
-            <a:avLst/>
-          </a:prstGeom>
-          <a:noFill/>
-          <a:ln w="9525">
-            <a:noFill/>
-            <a:miter lim="800000"/>
-            <a:headEnd/>
-            <a:tailEnd/>
-          </a:ln>
-        </p:spPr>
-      </p:pic>
-    </p:spTree>
-  </p:cSld>
-  <p:clrMapOvr>
-    <a:masterClrMapping/>
-  </p:clrMapOvr>
-  <p:timing>
-    <p:tnLst>
-      <p:par>
-        <p:cTn id="1" dur="indefinite" restart="never" nodeType="tmRoot"/>
-      </p:par>
-    </p:tnLst>
-  </p:timing>
-</p:sld>
-</file>
-
-<file path=ppt/slides/slide13.xml><?xml version="1.0" encoding="utf-8"?>
-<p:sld xmlns:a="http://schemas.openxmlformats.org/drawingml/2006/main" xmlns:r="http://schemas.openxmlformats.org/officeDocument/2006/relationships" xmlns:p="http://schemas.openxmlformats.org/presentationml/2006/main">
-  <p:cSld>
-    <p:spTree>
-      <p:nvGrpSpPr>
-        <p:cNvPr id="1" name=""/>
-        <p:cNvGrpSpPr/>
-        <p:nvPr/>
-      </p:nvGrpSpPr>
-      <p:grpSpPr>
-        <a:xfrm>
-          <a:off x="0" y="0"/>
-          <a:ext cx="0" cy="0"/>
-          <a:chOff x="0" y="0"/>
-          <a:chExt cx="0" cy="0"/>
-        </a:xfrm>
-      </p:grpSpPr>
-      <p:sp>
-        <p:nvSpPr>
-          <p:cNvPr id="2" name="Title 1"/>
-          <p:cNvSpPr>
-            <a:spLocks noGrp="1"/>
-          </p:cNvSpPr>
-          <p:nvPr>
-            <p:ph type="title"/>
-          </p:nvPr>
-        </p:nvSpPr>
-        <p:spPr/>
-        <p:txBody>
-          <a:bodyPr/>
-          <a:lstStyle/>
-          <a:p>
-            <a:r>
-              <a:rPr lang="en-US" dirty="0" err="1" smtClean="0"/>
-              <a:t>Kommunikation</a:t>
-            </a:r>
-            <a:endParaRPr lang="en-US" dirty="0"/>
-          </a:p>
-        </p:txBody>
-      </p:sp>
-      <p:sp>
-        <p:nvSpPr>
-          <p:cNvPr id="3" name="Content Placeholder 2"/>
-          <p:cNvSpPr>
-            <a:spLocks noGrp="1"/>
-          </p:cNvSpPr>
-          <p:nvPr>
-            <p:ph idx="1"/>
-          </p:nvPr>
-        </p:nvSpPr>
-        <p:spPr/>
-        <p:txBody>
-          <a:bodyPr/>
-          <a:lstStyle/>
-          <a:p>
-            <a:r>
-              <a:rPr lang="en-US" dirty="0" smtClean="0"/>
-              <a:t>Intern </a:t>
-            </a:r>
-            <a:r>
-              <a:rPr lang="en-US" dirty="0" err="1" smtClean="0"/>
-              <a:t>kommunikation</a:t>
-            </a:r>
-            <a:endParaRPr lang="en-US" dirty="0" smtClean="0"/>
-          </a:p>
-          <a:p>
-            <a:pPr lvl="1"/>
-            <a:r>
-              <a:rPr lang="en-US" dirty="0" smtClean="0"/>
-              <a:t>I2c</a:t>
-            </a:r>
-          </a:p>
-          <a:p>
-            <a:pPr lvl="1"/>
-            <a:r>
-              <a:rPr lang="en-US" dirty="0" smtClean="0"/>
-              <a:t>UART</a:t>
-            </a:r>
-          </a:p>
-          <a:p>
-            <a:pPr lvl="1"/>
-            <a:r>
-              <a:rPr lang="en-US" dirty="0" smtClean="0"/>
-              <a:t>SPI</a:t>
-            </a:r>
-          </a:p>
-          <a:p>
-            <a:pPr lvl="1">
-              <a:buNone/>
-            </a:pPr>
-            <a:endParaRPr lang="en-US" dirty="0" smtClean="0"/>
-          </a:p>
-          <a:p>
-            <a:r>
-              <a:rPr lang="en-US" dirty="0" smtClean="0"/>
-              <a:t>Extern </a:t>
-            </a:r>
-            <a:r>
-              <a:rPr lang="en-US" dirty="0" err="1" smtClean="0"/>
-              <a:t>kommunikation</a:t>
-            </a:r>
-            <a:endParaRPr lang="en-US" dirty="0" smtClean="0"/>
-          </a:p>
-          <a:p>
-            <a:pPr lvl="1"/>
-            <a:r>
-              <a:rPr lang="en-US" dirty="0" smtClean="0"/>
-              <a:t>Bluetooth</a:t>
-            </a:r>
-          </a:p>
-        </p:txBody>
-      </p:sp>
-      <p:pic>
-        <p:nvPicPr>
-          <p:cNvPr id="4" name="Picture 3" descr="Kommmmmmm.bmp"/>
-          <p:cNvPicPr>
-            <a:picLocks noChangeAspect="1"/>
-          </p:cNvPicPr>
-          <p:nvPr/>
-        </p:nvPicPr>
-        <p:blipFill>
-          <a:blip r:embed="rId2" cstate="print"/>
-          <a:stretch>
-            <a:fillRect/>
-          </a:stretch>
-        </p:blipFill>
-        <p:spPr>
-          <a:xfrm>
-            <a:off x="5105400" y="1981200"/>
-            <a:ext cx="3747870" cy="4495800"/>
-          </a:xfrm>
-          <a:prstGeom prst="rect">
-            <a:avLst/>
-          </a:prstGeom>
-        </p:spPr>
-      </p:pic>
-    </p:spTree>
-  </p:cSld>
-  <p:clrMapOvr>
-    <a:masterClrMapping/>
-  </p:clrMapOvr>
-  <p:timing>
-    <p:tnLst>
-      <p:par>
-        <p:cTn id="1" dur="indefinite" restart="never" nodeType="tmRoot"/>
-      </p:par>
-    </p:tnLst>
-  </p:timing>
-</p:sld>
-</file>
-
-<file path=ppt/slides/slide14.xml><?xml version="1.0" encoding="utf-8"?>
-<p:sld xmlns:a="http://schemas.openxmlformats.org/drawingml/2006/main" xmlns:r="http://schemas.openxmlformats.org/officeDocument/2006/relationships" xmlns:p="http://schemas.openxmlformats.org/presentationml/2006/main">
-  <p:cSld>
-    <p:spTree>
-      <p:nvGrpSpPr>
-        <p:cNvPr id="1" name=""/>
-        <p:cNvGrpSpPr/>
-        <p:nvPr/>
-      </p:nvGrpSpPr>
-      <p:grpSpPr>
-        <a:xfrm>
-          <a:off x="0" y="0"/>
-          <a:ext cx="0" cy="0"/>
-          <a:chOff x="0" y="0"/>
-          <a:chExt cx="0" cy="0"/>
-        </a:xfrm>
-      </p:grpSpPr>
-      <p:sp>
-        <p:nvSpPr>
-          <p:cNvPr id="2" name="Title 1"/>
-          <p:cNvSpPr>
-            <a:spLocks noGrp="1"/>
-          </p:cNvSpPr>
-          <p:nvPr>
-            <p:ph type="title"/>
-          </p:nvPr>
-        </p:nvSpPr>
-        <p:spPr/>
-        <p:txBody>
-          <a:bodyPr/>
-          <a:lstStyle/>
-          <a:p>
-            <a:r>
-              <a:rPr lang="en-US" dirty="0" err="1" smtClean="0"/>
-              <a:t>Sensorer</a:t>
-            </a:r>
-            <a:endParaRPr lang="en-US" dirty="0"/>
-          </a:p>
-        </p:txBody>
-      </p:sp>
-      <p:sp>
-        <p:nvSpPr>
-          <p:cNvPr id="3" name="Content Placeholder 2"/>
-          <p:cNvSpPr>
-            <a:spLocks noGrp="1"/>
-          </p:cNvSpPr>
-          <p:nvPr>
-            <p:ph idx="1"/>
-          </p:nvPr>
-        </p:nvSpPr>
-        <p:spPr/>
-        <p:txBody>
-          <a:bodyPr/>
-          <a:lstStyle/>
-          <a:p>
-            <a:r>
-              <a:rPr lang="en-US" dirty="0" err="1" smtClean="0"/>
-              <a:t>Avståndssensorer</a:t>
-            </a:r>
-            <a:endParaRPr lang="en-US" dirty="0" smtClean="0"/>
-          </a:p>
-          <a:p>
-            <a:pPr lvl="1"/>
-            <a:r>
-              <a:rPr lang="en-US" dirty="0" err="1" smtClean="0"/>
-              <a:t>Två</a:t>
-            </a:r>
-            <a:r>
-              <a:rPr lang="en-US" dirty="0" smtClean="0"/>
-              <a:t> per </a:t>
-            </a:r>
-            <a:r>
-              <a:rPr lang="en-US" dirty="0" err="1" smtClean="0"/>
-              <a:t>sida</a:t>
-            </a:r>
-            <a:r>
-              <a:rPr lang="en-US" dirty="0" smtClean="0"/>
-              <a:t> + en </a:t>
-            </a:r>
-            <a:r>
-              <a:rPr lang="en-US" dirty="0" err="1" smtClean="0"/>
-              <a:t>frontsensor</a:t>
-            </a:r>
-            <a:endParaRPr lang="en-US" dirty="0" smtClean="0"/>
-          </a:p>
-          <a:p>
-            <a:pPr lvl="1">
-              <a:buNone/>
-            </a:pPr>
-            <a:endParaRPr lang="en-US" dirty="0" smtClean="0"/>
-          </a:p>
-          <a:p>
-            <a:r>
-              <a:rPr lang="en-US" dirty="0" err="1" smtClean="0"/>
-              <a:t>Reflexsensor</a:t>
-            </a:r>
-            <a:endParaRPr lang="en-US" dirty="0" smtClean="0"/>
-          </a:p>
-          <a:p>
-            <a:pPr lvl="1"/>
-            <a:r>
-              <a:rPr lang="en-US" dirty="0" err="1" smtClean="0"/>
-              <a:t>Använder</a:t>
-            </a:r>
-            <a:r>
-              <a:rPr lang="en-US" dirty="0" smtClean="0"/>
-              <a:t> </a:t>
-            </a:r>
-            <a:r>
-              <a:rPr lang="en-US" dirty="0" err="1" smtClean="0"/>
-              <a:t>ej</a:t>
-            </a:r>
-            <a:r>
-              <a:rPr lang="en-US" dirty="0" smtClean="0"/>
-              <a:t> </a:t>
-            </a:r>
-            <a:r>
-              <a:rPr lang="en-US" dirty="0" err="1" smtClean="0"/>
-              <a:t>hela</a:t>
-            </a:r>
-            <a:endParaRPr lang="en-US" dirty="0" smtClean="0"/>
-          </a:p>
-          <a:p>
-            <a:pPr lvl="1"/>
-            <a:endParaRPr lang="en-US" dirty="0" smtClean="0"/>
-          </a:p>
-          <a:p>
-            <a:r>
-              <a:rPr lang="en-US" dirty="0" smtClean="0"/>
-              <a:t>Gyro</a:t>
-            </a:r>
-          </a:p>
-          <a:p>
-            <a:pPr>
-              <a:buNone/>
-            </a:pPr>
-            <a:endParaRPr lang="en-US" dirty="0" smtClean="0"/>
-          </a:p>
-        </p:txBody>
-      </p:sp>
-    </p:spTree>
-  </p:cSld>
-  <p:clrMapOvr>
-    <a:masterClrMapping/>
-  </p:clrMapOvr>
-  <p:timing>
-    <p:tnLst>
-      <p:par>
-        <p:cTn id="1" dur="indefinite" restart="never" nodeType="tmRoot"/>
-      </p:par>
-    </p:tnLst>
-  </p:timing>
-</p:sld>
-</file>
-
-<file path=ppt/slides/slide15.xml><?xml version="1.0" encoding="utf-8"?>
-<p:sld xmlns:a="http://schemas.openxmlformats.org/drawingml/2006/main" xmlns:r="http://schemas.openxmlformats.org/officeDocument/2006/relationships" xmlns:p="http://schemas.openxmlformats.org/presentationml/2006/main">
-  <p:cSld>
-    <p:spTree>
-      <p:nvGrpSpPr>
-        <p:cNvPr id="1" name=""/>
-        <p:cNvGrpSpPr/>
-        <p:nvPr/>
-      </p:nvGrpSpPr>
-      <p:grpSpPr>
-        <a:xfrm>
-          <a:off x="0" y="0"/>
-          <a:ext cx="0" cy="0"/>
-          <a:chOff x="0" y="0"/>
-          <a:chExt cx="0" cy="0"/>
-        </a:xfrm>
-      </p:grpSpPr>
-      <p:sp>
-        <p:nvSpPr>
-          <p:cNvPr id="2" name="Title 1"/>
-          <p:cNvSpPr>
-            <a:spLocks noGrp="1"/>
-          </p:cNvSpPr>
-          <p:nvPr>
-            <p:ph type="title"/>
-          </p:nvPr>
-        </p:nvSpPr>
-        <p:spPr/>
-        <p:txBody>
-          <a:bodyPr/>
-          <a:lstStyle/>
-          <a:p>
-            <a:r>
-              <a:rPr lang="en-US" dirty="0" err="1" smtClean="0"/>
-              <a:t>Datorinterface</a:t>
-            </a:r>
-            <a:endParaRPr lang="en-US" dirty="0"/>
-          </a:p>
-        </p:txBody>
-      </p:sp>
-      <p:pic>
-        <p:nvPicPr>
-          <p:cNvPr id="6" name="Content Placeholder 5" descr="Johnny 5 interface v0.2.jpg"/>
-          <p:cNvPicPr>
-            <a:picLocks noGrp="1" noChangeAspect="1"/>
-          </p:cNvPicPr>
-          <p:nvPr>
-            <p:ph idx="1"/>
-          </p:nvPr>
-        </p:nvPicPr>
-        <p:blipFill>
-          <a:blip r:embed="rId2" cstate="print"/>
-          <a:stretch>
-            <a:fillRect/>
-          </a:stretch>
-        </p:blipFill>
-        <p:spPr>
-          <a:xfrm>
-            <a:off x="457200" y="1775191"/>
-            <a:ext cx="8229600" cy="4625609"/>
-          </a:xfrm>
-        </p:spPr>
-      </p:pic>
-    </p:spTree>
-  </p:cSld>
-  <p:clrMapOvr>
-    <a:masterClrMapping/>
-  </p:clrMapOvr>
-  <p:timing>
-    <p:tnLst>
-      <p:par>
-        <p:cTn id="1" dur="indefinite" restart="never" nodeType="tmRoot"/>
-      </p:par>
-    </p:tnLst>
-  </p:timing>
-</p:sld>
-</file>
-
-<file path=ppt/slides/slide16.xml><?xml version="1.0" encoding="utf-8"?>
-<p:sld xmlns:a="http://schemas.openxmlformats.org/drawingml/2006/main" xmlns:r="http://schemas.openxmlformats.org/officeDocument/2006/relationships" xmlns:p="http://schemas.openxmlformats.org/presentationml/2006/main">
-  <p:cSld>
-    <p:spTree>
-      <p:nvGrpSpPr>
-        <p:cNvPr id="1" name=""/>
-        <p:cNvGrpSpPr/>
-        <p:nvPr/>
-      </p:nvGrpSpPr>
-      <p:grpSpPr>
-        <a:xfrm>
-          <a:off x="0" y="0"/>
-          <a:ext cx="0" cy="0"/>
-          <a:chOff x="0" y="0"/>
-          <a:chExt cx="0" cy="0"/>
-        </a:xfrm>
-      </p:grpSpPr>
-      <p:sp>
-        <p:nvSpPr>
-          <p:cNvPr id="2" name="Title 1"/>
-          <p:cNvSpPr>
-            <a:spLocks noGrp="1"/>
-          </p:cNvSpPr>
-          <p:nvPr>
-            <p:ph type="title"/>
-          </p:nvPr>
-        </p:nvSpPr>
-        <p:spPr/>
-        <p:txBody>
-          <a:bodyPr/>
-          <a:lstStyle/>
-          <a:p>
-            <a:r>
-              <a:rPr lang="en-US" dirty="0" err="1" smtClean="0"/>
-              <a:t>Datorinterface</a:t>
-            </a:r>
-            <a:endParaRPr lang="en-US" dirty="0"/>
-          </a:p>
-        </p:txBody>
-      </p:sp>
-      <p:pic>
-        <p:nvPicPr>
-          <p:cNvPr id="4" name="Content Placeholder 3" descr="Johnny 5 interface v0.4.jpg"/>
-          <p:cNvPicPr>
-            <a:picLocks noGrp="1" noChangeAspect="1"/>
-          </p:cNvPicPr>
-          <p:nvPr>
-            <p:ph idx="1"/>
-          </p:nvPr>
-        </p:nvPicPr>
-        <p:blipFill>
-          <a:blip r:embed="rId2" cstate="print"/>
-          <a:stretch>
-            <a:fillRect/>
-          </a:stretch>
-        </p:blipFill>
-        <p:spPr>
-          <a:xfrm>
-            <a:off x="516905" y="1774825"/>
-            <a:ext cx="8110189" cy="4625975"/>
-          </a:xfrm>
-        </p:spPr>
-      </p:pic>
-    </p:spTree>
-  </p:cSld>
-  <p:clrMapOvr>
-    <a:masterClrMapping/>
-  </p:clrMapOvr>
-  <p:timing>
-    <p:tnLst>
-      <p:par>
-        <p:cTn id="1" dur="indefinite" restart="never" nodeType="tmRoot"/>
-      </p:par>
-    </p:tnLst>
-  </p:timing>
-</p:sld>
-</file>
-
-<file path=ppt/slides/slide17.xml><?xml version="1.0" encoding="utf-8"?>
-<p:sld xmlns:a="http://schemas.openxmlformats.org/drawingml/2006/main" xmlns:r="http://schemas.openxmlformats.org/officeDocument/2006/relationships" xmlns:p="http://schemas.openxmlformats.org/presentationml/2006/main">
-  <p:cSld>
-    <p:spTree>
-      <p:nvGrpSpPr>
-        <p:cNvPr id="1" name=""/>
-        <p:cNvGrpSpPr/>
-        <p:nvPr/>
-      </p:nvGrpSpPr>
-      <p:grpSpPr>
-        <a:xfrm>
-          <a:off x="0" y="0"/>
-          <a:ext cx="0" cy="0"/>
-          <a:chOff x="0" y="0"/>
-          <a:chExt cx="0" cy="0"/>
-        </a:xfrm>
-      </p:grpSpPr>
-      <p:sp>
-        <p:nvSpPr>
-          <p:cNvPr id="2" name="Title 1"/>
-          <p:cNvSpPr>
-            <a:spLocks noGrp="1"/>
-          </p:cNvSpPr>
-          <p:nvPr>
-            <p:ph type="title"/>
-          </p:nvPr>
-        </p:nvSpPr>
-        <p:spPr/>
-        <p:txBody>
-          <a:bodyPr/>
-          <a:lstStyle/>
-          <a:p>
-            <a:r>
-              <a:rPr lang="en-US" dirty="0" err="1" smtClean="0"/>
-              <a:t>Datorinterface</a:t>
-            </a:r>
-            <a:endParaRPr lang="en-US" dirty="0"/>
-          </a:p>
-        </p:txBody>
-      </p:sp>
-      <p:pic>
-        <p:nvPicPr>
-          <p:cNvPr id="4" name="Content Placeholder 3" descr="Johnny 5 interface v0.6.jpg"/>
-          <p:cNvPicPr>
-            <a:picLocks noGrp="1" noChangeAspect="1"/>
-          </p:cNvPicPr>
-          <p:nvPr>
-            <p:ph idx="1"/>
-          </p:nvPr>
-        </p:nvPicPr>
-        <p:blipFill>
-          <a:blip r:embed="rId2" cstate="print"/>
-          <a:stretch>
-            <a:fillRect/>
-          </a:stretch>
-        </p:blipFill>
-        <p:spPr>
-          <a:xfrm>
-            <a:off x="457200" y="1809774"/>
-            <a:ext cx="8229600" cy="4556076"/>
-          </a:xfrm>
-        </p:spPr>
-      </p:pic>
-    </p:spTree>
-  </p:cSld>
-  <p:clrMapOvr>
-    <a:masterClrMapping/>
-  </p:clrMapOvr>
-  <p:timing>
-    <p:tnLst>
-      <p:par>
-        <p:cTn id="1" dur="indefinite" restart="never" nodeType="tmRoot"/>
-      </p:par>
-    </p:tnLst>
-  </p:timing>
-</p:sld>
-</file>
-
-<file path=ppt/slides/slide18.xml><?xml version="1.0" encoding="utf-8"?>
-<p:sld xmlns:a="http://schemas.openxmlformats.org/drawingml/2006/main" xmlns:r="http://schemas.openxmlformats.org/officeDocument/2006/relationships" xmlns:p="http://schemas.openxmlformats.org/presentationml/2006/main">
-  <p:cSld>
-    <p:spTree>
-      <p:nvGrpSpPr>
-        <p:cNvPr id="1" name=""/>
-        <p:cNvGrpSpPr/>
-        <p:nvPr/>
-      </p:nvGrpSpPr>
-      <p:grpSpPr>
-        <a:xfrm>
-          <a:off x="0" y="0"/>
-          <a:ext cx="0" cy="0"/>
-          <a:chOff x="0" y="0"/>
-          <a:chExt cx="0" cy="0"/>
-        </a:xfrm>
-      </p:grpSpPr>
-      <p:sp>
-        <p:nvSpPr>
-          <p:cNvPr id="2" name="Title 1"/>
-          <p:cNvSpPr>
-            <a:spLocks noGrp="1"/>
-          </p:cNvSpPr>
-          <p:nvPr>
-            <p:ph type="title"/>
-          </p:nvPr>
-        </p:nvSpPr>
-        <p:spPr/>
-        <p:txBody>
-          <a:bodyPr/>
-          <a:lstStyle/>
-          <a:p>
-            <a:r>
-              <a:rPr lang="en-US" dirty="0" err="1" smtClean="0"/>
-              <a:t>Datorinterface</a:t>
-            </a:r>
-            <a:endParaRPr lang="en-US" dirty="0"/>
-          </a:p>
-        </p:txBody>
-      </p:sp>
-      <p:pic>
-        <p:nvPicPr>
-          <p:cNvPr id="6" name="Content Placeholder 5" descr="Johnny 5 interface v1.1 med text.jpg"/>
-          <p:cNvPicPr>
-            <a:picLocks noGrp="1" noChangeAspect="1"/>
-          </p:cNvPicPr>
-          <p:nvPr>
-            <p:ph idx="1"/>
-          </p:nvPr>
-        </p:nvPicPr>
-        <p:blipFill>
-          <a:blip r:embed="rId2" cstate="print"/>
-          <a:stretch>
-            <a:fillRect/>
-          </a:stretch>
-        </p:blipFill>
-        <p:spPr>
-          <a:xfrm>
-            <a:off x="457200" y="1970455"/>
-            <a:ext cx="8229600" cy="4234715"/>
-          </a:xfrm>
-        </p:spPr>
-      </p:pic>
-    </p:spTree>
-  </p:cSld>
-  <p:clrMapOvr>
-    <a:masterClrMapping/>
-  </p:clrMapOvr>
-  <p:timing>
-    <p:tnLst>
-      <p:par>
-        <p:cTn id="1" dur="indefinite" restart="never" nodeType="tmRoot"/>
-      </p:par>
-    </p:tnLst>
-  </p:timing>
-</p:sld>
-</file>
-
-<file path=ppt/slides/slide19.xml><?xml version="1.0" encoding="utf-8"?>
-<p:sld xmlns:a="http://schemas.openxmlformats.org/drawingml/2006/main" xmlns:r="http://schemas.openxmlformats.org/officeDocument/2006/relationships" xmlns:p="http://schemas.openxmlformats.org/presentationml/2006/main">
-  <p:cSld>
-    <p:spTree>
-      <p:nvGrpSpPr>
-        <p:cNvPr id="1" name=""/>
-        <p:cNvGrpSpPr/>
-        <p:nvPr/>
-      </p:nvGrpSpPr>
-      <p:grpSpPr>
-        <a:xfrm>
-          <a:off x="0" y="0"/>
-          <a:ext cx="0" cy="0"/>
-          <a:chOff x="0" y="0"/>
-          <a:chExt cx="0" cy="0"/>
-        </a:xfrm>
-      </p:grpSpPr>
-      <p:sp>
-        <p:nvSpPr>
-          <p:cNvPr id="2" name="Title 1"/>
-          <p:cNvSpPr>
-            <a:spLocks noGrp="1"/>
-          </p:cNvSpPr>
-          <p:nvPr>
-            <p:ph type="title"/>
-          </p:nvPr>
-        </p:nvSpPr>
-        <p:spPr/>
-        <p:txBody>
-          <a:bodyPr/>
-          <a:lstStyle/>
-          <a:p>
-            <a:r>
-              <a:rPr lang="en-US" dirty="0" err="1" smtClean="0"/>
-              <a:t>Motorer</a:t>
-            </a:r>
-            <a:r>
-              <a:rPr lang="en-US" dirty="0" smtClean="0"/>
-              <a:t> </a:t>
-            </a:r>
-            <a:r>
-              <a:rPr lang="en-US" dirty="0" err="1" smtClean="0"/>
-              <a:t>och</a:t>
-            </a:r>
-            <a:r>
-              <a:rPr lang="en-US" dirty="0" smtClean="0"/>
-              <a:t> </a:t>
-            </a:r>
-            <a:r>
-              <a:rPr lang="en-US" dirty="0" err="1" smtClean="0"/>
-              <a:t>servon</a:t>
-            </a:r>
-            <a:endParaRPr lang="en-US" dirty="0"/>
-          </a:p>
-        </p:txBody>
-      </p:sp>
-      <p:sp>
-        <p:nvSpPr>
-          <p:cNvPr id="3" name="Content Placeholder 2"/>
-          <p:cNvSpPr>
-            <a:spLocks noGrp="1"/>
-          </p:cNvSpPr>
-          <p:nvPr>
-            <p:ph idx="1"/>
-          </p:nvPr>
-        </p:nvSpPr>
-        <p:spPr/>
-        <p:txBody>
-          <a:bodyPr/>
-          <a:lstStyle/>
-          <a:p>
-            <a:r>
-              <a:rPr lang="en-US" dirty="0" err="1" smtClean="0"/>
-              <a:t>Motorer</a:t>
-            </a:r>
-            <a:r>
-              <a:rPr lang="en-US" dirty="0" smtClean="0"/>
-              <a:t> </a:t>
-            </a:r>
-            <a:r>
-              <a:rPr lang="en-US" dirty="0" err="1" smtClean="0"/>
-              <a:t>och</a:t>
-            </a:r>
-            <a:r>
-              <a:rPr lang="en-US" dirty="0" smtClean="0"/>
-              <a:t> </a:t>
-            </a:r>
-            <a:r>
-              <a:rPr lang="en-US" dirty="0" err="1" smtClean="0"/>
-              <a:t>servon</a:t>
-            </a:r>
-            <a:r>
-              <a:rPr lang="en-US" dirty="0" smtClean="0"/>
-              <a:t> </a:t>
-            </a:r>
-            <a:r>
-              <a:rPr lang="en-US" dirty="0" err="1" smtClean="0"/>
-              <a:t>i</a:t>
-            </a:r>
-            <a:r>
-              <a:rPr lang="en-US" dirty="0" smtClean="0"/>
-              <a:t> </a:t>
-            </a:r>
-            <a:r>
-              <a:rPr lang="en-US" dirty="0" err="1" smtClean="0"/>
-              <a:t>separata</a:t>
-            </a:r>
-            <a:r>
-              <a:rPr lang="en-US" dirty="0" smtClean="0"/>
-              <a:t> </a:t>
-            </a:r>
-            <a:r>
-              <a:rPr lang="en-US" dirty="0" err="1" smtClean="0"/>
-              <a:t>enheter</a:t>
-            </a:r>
-            <a:endParaRPr lang="en-US" dirty="0" smtClean="0"/>
-          </a:p>
-          <a:p>
-            <a:r>
-              <a:rPr lang="en-US" dirty="0" err="1" smtClean="0"/>
-              <a:t>Två</a:t>
-            </a:r>
-            <a:r>
-              <a:rPr lang="en-US" dirty="0" smtClean="0"/>
-              <a:t> </a:t>
-            </a:r>
-            <a:r>
-              <a:rPr lang="en-US" dirty="0" err="1" smtClean="0"/>
-              <a:t>motorer</a:t>
-            </a:r>
-            <a:r>
-              <a:rPr lang="en-US" dirty="0" smtClean="0"/>
-              <a:t> </a:t>
-            </a:r>
-            <a:r>
-              <a:rPr lang="en-US" dirty="0" err="1" smtClean="0"/>
-              <a:t>som</a:t>
-            </a:r>
-            <a:r>
-              <a:rPr lang="en-US" dirty="0" smtClean="0"/>
-              <a:t> </a:t>
-            </a:r>
-            <a:r>
-              <a:rPr lang="en-US" dirty="0" err="1" smtClean="0"/>
-              <a:t>styrs</a:t>
-            </a:r>
-            <a:r>
-              <a:rPr lang="en-US" dirty="0" smtClean="0"/>
-              <a:t> med PWM</a:t>
-            </a:r>
-          </a:p>
-          <a:p>
-            <a:r>
-              <a:rPr lang="en-US" dirty="0" err="1" smtClean="0"/>
-              <a:t>Tolv</a:t>
-            </a:r>
-            <a:r>
-              <a:rPr lang="en-US" dirty="0" smtClean="0"/>
-              <a:t> </a:t>
-            </a:r>
-            <a:r>
-              <a:rPr lang="en-US" dirty="0" err="1" smtClean="0"/>
-              <a:t>servon</a:t>
-            </a:r>
-            <a:r>
-              <a:rPr lang="en-US" dirty="0" smtClean="0"/>
-              <a:t> </a:t>
-            </a:r>
-            <a:r>
-              <a:rPr lang="en-US" dirty="0" err="1" smtClean="0"/>
-              <a:t>som</a:t>
-            </a:r>
-            <a:r>
-              <a:rPr lang="en-US" dirty="0" smtClean="0"/>
-              <a:t> </a:t>
-            </a:r>
-            <a:r>
-              <a:rPr lang="en-US" dirty="0" err="1" smtClean="0"/>
-              <a:t>styrs</a:t>
-            </a:r>
-            <a:r>
-              <a:rPr lang="en-US" dirty="0" smtClean="0"/>
-              <a:t> </a:t>
-            </a:r>
-          </a:p>
-          <a:p>
-            <a:pPr>
-              <a:buNone/>
-            </a:pPr>
-            <a:r>
-              <a:rPr lang="en-US" dirty="0" smtClean="0"/>
-              <a:t>	med PWM</a:t>
-            </a:r>
-          </a:p>
-          <a:p>
-            <a:r>
-              <a:rPr lang="en-US" dirty="0" err="1" smtClean="0"/>
-              <a:t>Mjuka</a:t>
-            </a:r>
-            <a:r>
-              <a:rPr lang="en-US" dirty="0" smtClean="0"/>
-              <a:t> </a:t>
-            </a:r>
-            <a:r>
-              <a:rPr lang="en-US" dirty="0" err="1" smtClean="0"/>
-              <a:t>rörelser</a:t>
-            </a:r>
-            <a:endParaRPr lang="en-US" dirty="0" smtClean="0"/>
-          </a:p>
-          <a:p>
-            <a:r>
-              <a:rPr lang="en-US" dirty="0" err="1" smtClean="0"/>
-              <a:t>Autonom</a:t>
-            </a:r>
-            <a:r>
-              <a:rPr lang="en-US" dirty="0" smtClean="0"/>
-              <a:t> </a:t>
-            </a:r>
-            <a:r>
-              <a:rPr lang="en-US" dirty="0" err="1" smtClean="0"/>
-              <a:t>upplockning</a:t>
-            </a:r>
-            <a:endParaRPr lang="en-US" dirty="0" smtClean="0"/>
-          </a:p>
-        </p:txBody>
-      </p:sp>
-      <p:pic>
-        <p:nvPicPr>
-          <p:cNvPr id="4" name="Picture 3" descr="Bild 4.JPG"/>
-          <p:cNvPicPr>
-            <a:picLocks noChangeAspect="1"/>
-          </p:cNvPicPr>
-          <p:nvPr/>
-        </p:nvPicPr>
-        <p:blipFill>
-          <a:blip r:embed="rId2" cstate="print"/>
-          <a:stretch>
-            <a:fillRect/>
-          </a:stretch>
-        </p:blipFill>
-        <p:spPr>
-          <a:xfrm>
-            <a:off x="5181600" y="2819400"/>
-            <a:ext cx="3549600" cy="3886200"/>
-          </a:xfrm>
-          <a:prstGeom prst="rect">
-            <a:avLst/>
-          </a:prstGeom>
-        </p:spPr>
-      </p:pic>
-    </p:spTree>
-  </p:cSld>
-  <p:clrMapOvr>
-    <a:masterClrMapping/>
-  </p:clrMapOvr>
-  <p:timing>
-    <p:tnLst>
-      <p:par>
-        <p:cTn id="1" dur="indefinite" restart="never" nodeType="tmRoot"/>
-      </p:par>
-    </p:tnLst>
-  </p:timing>
-</p:sld>
-</file>
-
 <file path=ppt/slides/slide2.xml><?xml version="1.0" encoding="utf-8"?>
 <p:sld xmlns:a="http://schemas.openxmlformats.org/drawingml/2006/main" xmlns:r="http://schemas.openxmlformats.org/officeDocument/2006/relationships" xmlns:p="http://schemas.openxmlformats.org/presentationml/2006/main">
   <p:cSld>
@@ -5539,2047 +4324,6 @@
           </a:p>
           <a:p>
             <a:endParaRPr lang="en-US" dirty="0"/>
-          </a:p>
-        </p:txBody>
-      </p:sp>
-    </p:spTree>
-  </p:cSld>
-  <p:clrMapOvr>
-    <a:masterClrMapping/>
-  </p:clrMapOvr>
-  <p:timing>
-    <p:tnLst>
-      <p:par>
-        <p:cTn id="1" dur="indefinite" restart="never" nodeType="tmRoot"/>
-      </p:par>
-    </p:tnLst>
-  </p:timing>
-</p:sld>
-</file>
-
-<file path=ppt/slides/slide20.xml><?xml version="1.0" encoding="utf-8"?>
-<p:sld xmlns:a="http://schemas.openxmlformats.org/drawingml/2006/main" xmlns:r="http://schemas.openxmlformats.org/officeDocument/2006/relationships" xmlns:p="http://schemas.openxmlformats.org/presentationml/2006/main">
-  <p:cSld>
-    <p:spTree>
-      <p:nvGrpSpPr>
-        <p:cNvPr id="1" name=""/>
-        <p:cNvGrpSpPr/>
-        <p:nvPr/>
-      </p:nvGrpSpPr>
-      <p:grpSpPr>
-        <a:xfrm>
-          <a:off x="0" y="0"/>
-          <a:ext cx="0" cy="0"/>
-          <a:chOff x="0" y="0"/>
-          <a:chExt cx="0" cy="0"/>
-        </a:xfrm>
-      </p:grpSpPr>
-      <p:sp>
-        <p:nvSpPr>
-          <p:cNvPr id="2" name="Title 1"/>
-          <p:cNvSpPr>
-            <a:spLocks noGrp="1"/>
-          </p:cNvSpPr>
-          <p:nvPr>
-            <p:ph type="title"/>
-          </p:nvPr>
-        </p:nvSpPr>
-        <p:spPr/>
-        <p:txBody>
-          <a:bodyPr/>
-          <a:lstStyle/>
-          <a:p>
-            <a:r>
-              <a:rPr lang="en-US" dirty="0" smtClean="0"/>
-              <a:t>PD-</a:t>
-            </a:r>
-            <a:r>
-              <a:rPr lang="en-US" dirty="0" err="1" smtClean="0"/>
-              <a:t>reglering</a:t>
-            </a:r>
-            <a:endParaRPr lang="en-US" dirty="0"/>
-          </a:p>
-        </p:txBody>
-      </p:sp>
-      <p:pic>
-        <p:nvPicPr>
-          <p:cNvPr id="4" name="Content Placeholder 3" descr="Regulatorsystem-robot"/>
-          <p:cNvPicPr>
-            <a:picLocks noGrp="1"/>
-          </p:cNvPicPr>
-          <p:nvPr>
-            <p:ph idx="1"/>
-          </p:nvPr>
-        </p:nvPicPr>
-        <p:blipFill>
-          <a:blip r:embed="rId2" cstate="print"/>
-          <a:srcRect/>
-          <a:stretch>
-            <a:fillRect/>
-          </a:stretch>
-        </p:blipFill>
-        <p:spPr bwMode="auto">
-          <a:xfrm>
-            <a:off x="457200" y="2337542"/>
-            <a:ext cx="8229600" cy="3500540"/>
-          </a:xfrm>
-          <a:prstGeom prst="rect">
-            <a:avLst/>
-          </a:prstGeom>
-          <a:noFill/>
-          <a:ln w="9525">
-            <a:noFill/>
-            <a:miter lim="800000"/>
-            <a:headEnd/>
-            <a:tailEnd/>
-          </a:ln>
-        </p:spPr>
-      </p:pic>
-    </p:spTree>
-  </p:cSld>
-  <p:clrMapOvr>
-    <a:masterClrMapping/>
-  </p:clrMapOvr>
-  <p:timing>
-    <p:tnLst>
-      <p:par>
-        <p:cTn id="1" dur="indefinite" restart="never" nodeType="tmRoot"/>
-      </p:par>
-    </p:tnLst>
-  </p:timing>
-</p:sld>
-</file>
-
-<file path=ppt/slides/slide21.xml><?xml version="1.0" encoding="utf-8"?>
-<p:sld xmlns:a="http://schemas.openxmlformats.org/drawingml/2006/main" xmlns:r="http://schemas.openxmlformats.org/officeDocument/2006/relationships" xmlns:p="http://schemas.openxmlformats.org/presentationml/2006/main">
-  <p:cSld>
-    <p:spTree>
-      <p:nvGrpSpPr>
-        <p:cNvPr id="1" name=""/>
-        <p:cNvGrpSpPr/>
-        <p:nvPr/>
-      </p:nvGrpSpPr>
-      <p:grpSpPr>
-        <a:xfrm>
-          <a:off x="0" y="0"/>
-          <a:ext cx="0" cy="0"/>
-          <a:chOff x="0" y="0"/>
-          <a:chExt cx="0" cy="0"/>
-        </a:xfrm>
-      </p:grpSpPr>
-      <p:sp>
-        <p:nvSpPr>
-          <p:cNvPr id="2" name="Title 1"/>
-          <p:cNvSpPr>
-            <a:spLocks noGrp="1"/>
-          </p:cNvSpPr>
-          <p:nvPr>
-            <p:ph type="title"/>
-          </p:nvPr>
-        </p:nvSpPr>
-        <p:spPr/>
-        <p:txBody>
-          <a:bodyPr/>
-          <a:lstStyle/>
-          <a:p>
-            <a:r>
-              <a:rPr lang="en-US" dirty="0" smtClean="0"/>
-              <a:t>PD-</a:t>
-            </a:r>
-            <a:r>
-              <a:rPr lang="en-US" dirty="0" err="1" smtClean="0"/>
-              <a:t>reglering</a:t>
-            </a:r>
-            <a:endParaRPr lang="en-US" dirty="0"/>
-          </a:p>
-        </p:txBody>
-      </p:sp>
-      <p:pic>
-        <p:nvPicPr>
-          <p:cNvPr id="4" name="Content Placeholder 3" descr="C:\Documents and Settings\johwa559\Desktop\Regulator2-robot.png"/>
-          <p:cNvPicPr>
-            <a:picLocks noGrp="1"/>
-          </p:cNvPicPr>
-          <p:nvPr>
-            <p:ph idx="1"/>
-          </p:nvPr>
-        </p:nvPicPr>
-        <p:blipFill>
-          <a:blip r:embed="rId2" cstate="print"/>
-          <a:srcRect/>
-          <a:stretch>
-            <a:fillRect/>
-          </a:stretch>
-        </p:blipFill>
-        <p:spPr bwMode="auto">
-          <a:xfrm>
-            <a:off x="457200" y="2382540"/>
-            <a:ext cx="8229600" cy="3410545"/>
-          </a:xfrm>
-          <a:prstGeom prst="rect">
-            <a:avLst/>
-          </a:prstGeom>
-          <a:noFill/>
-          <a:ln w="9525">
-            <a:noFill/>
-            <a:miter lim="800000"/>
-            <a:headEnd/>
-            <a:tailEnd/>
-          </a:ln>
-        </p:spPr>
-      </p:pic>
-    </p:spTree>
-  </p:cSld>
-  <p:clrMapOvr>
-    <a:masterClrMapping/>
-  </p:clrMapOvr>
-  <p:timing>
-    <p:tnLst>
-      <p:par>
-        <p:cTn id="1" dur="indefinite" restart="never" nodeType="tmRoot"/>
-      </p:par>
-    </p:tnLst>
-  </p:timing>
-</p:sld>
-</file>
-
-<file path=ppt/slides/slide22.xml><?xml version="1.0" encoding="utf-8"?>
-<p:sld xmlns:a="http://schemas.openxmlformats.org/drawingml/2006/main" xmlns:r="http://schemas.openxmlformats.org/officeDocument/2006/relationships" xmlns:p="http://schemas.openxmlformats.org/presentationml/2006/main">
-  <p:cSld>
-    <p:spTree>
-      <p:nvGrpSpPr>
-        <p:cNvPr id="1" name=""/>
-        <p:cNvGrpSpPr/>
-        <p:nvPr/>
-      </p:nvGrpSpPr>
-      <p:grpSpPr>
-        <a:xfrm>
-          <a:off x="0" y="0"/>
-          <a:ext cx="0" cy="0"/>
-          <a:chOff x="0" y="0"/>
-          <a:chExt cx="0" cy="0"/>
-        </a:xfrm>
-      </p:grpSpPr>
-      <p:sp>
-        <p:nvSpPr>
-          <p:cNvPr id="2" name="Title 1"/>
-          <p:cNvSpPr>
-            <a:spLocks noGrp="1"/>
-          </p:cNvSpPr>
-          <p:nvPr>
-            <p:ph type="title"/>
-          </p:nvPr>
-        </p:nvSpPr>
-        <p:spPr/>
-        <p:txBody>
-          <a:bodyPr/>
-          <a:lstStyle/>
-          <a:p>
-            <a:r>
-              <a:rPr lang="en-US" dirty="0" err="1" smtClean="0"/>
-              <a:t>Beslutsfattande</a:t>
-            </a:r>
-            <a:r>
-              <a:rPr lang="en-US" dirty="0" smtClean="0"/>
-              <a:t>/</a:t>
-            </a:r>
-            <a:r>
-              <a:rPr lang="en-US" dirty="0" err="1" smtClean="0"/>
-              <a:t>Huvudloop</a:t>
-            </a:r>
-            <a:endParaRPr lang="en-US" dirty="0"/>
-          </a:p>
-        </p:txBody>
-      </p:sp>
-      <p:sp>
-        <p:nvSpPr>
-          <p:cNvPr id="3" name="Content Placeholder 2"/>
-          <p:cNvSpPr>
-            <a:spLocks noGrp="1"/>
-          </p:cNvSpPr>
-          <p:nvPr>
-            <p:ph idx="1"/>
-          </p:nvPr>
-        </p:nvSpPr>
-        <p:spPr/>
-        <p:txBody>
-          <a:bodyPr>
-            <a:normAutofit/>
-          </a:bodyPr>
-          <a:lstStyle/>
-          <a:p>
-            <a:r>
-              <a:rPr lang="en-US" dirty="0" err="1" smtClean="0"/>
-              <a:t>Ligger</a:t>
-            </a:r>
-            <a:r>
-              <a:rPr lang="en-US" dirty="0" smtClean="0"/>
-              <a:t> </a:t>
-            </a:r>
-            <a:r>
-              <a:rPr lang="en-US" dirty="0" err="1" smtClean="0"/>
-              <a:t>i</a:t>
-            </a:r>
-            <a:r>
-              <a:rPr lang="en-US" dirty="0" smtClean="0"/>
-              <a:t> </a:t>
-            </a:r>
-            <a:r>
-              <a:rPr lang="en-US" dirty="0" err="1" smtClean="0"/>
-              <a:t>sensorenheten</a:t>
-            </a:r>
-            <a:endParaRPr lang="en-US" dirty="0" smtClean="0"/>
-          </a:p>
-          <a:p>
-            <a:pPr>
-              <a:buNone/>
-            </a:pPr>
-            <a:endParaRPr lang="en-US" dirty="0" smtClean="0"/>
-          </a:p>
-          <a:p>
-            <a:r>
-              <a:rPr lang="en-US" dirty="0" err="1" smtClean="0"/>
-              <a:t>Timerstyrt</a:t>
-            </a:r>
-            <a:r>
-              <a:rPr lang="en-US" dirty="0" smtClean="0"/>
-              <a:t> (med </a:t>
-            </a:r>
-            <a:r>
-              <a:rPr lang="en-US" dirty="0" err="1" smtClean="0"/>
-              <a:t>avbrott</a:t>
-            </a:r>
-            <a:r>
-              <a:rPr lang="en-US" dirty="0" smtClean="0"/>
-              <a:t>)</a:t>
-            </a:r>
-          </a:p>
-          <a:p>
-            <a:pPr lvl="1"/>
-            <a:r>
-              <a:rPr lang="en-US" dirty="0" err="1" smtClean="0"/>
-              <a:t>Beslutsfattande</a:t>
-            </a:r>
-            <a:endParaRPr lang="en-US" dirty="0" smtClean="0"/>
-          </a:p>
-          <a:p>
-            <a:pPr lvl="2"/>
-            <a:r>
-              <a:rPr lang="en-US" dirty="0" smtClean="0"/>
-              <a:t>Sampling</a:t>
-            </a:r>
-          </a:p>
-          <a:p>
-            <a:pPr lvl="2"/>
-            <a:r>
-              <a:rPr lang="en-US" dirty="0" smtClean="0"/>
-              <a:t>PD-</a:t>
-            </a:r>
-            <a:r>
-              <a:rPr lang="en-US" dirty="0" err="1" smtClean="0"/>
-              <a:t>reglering</a:t>
-            </a:r>
-            <a:endParaRPr lang="en-US" dirty="0" smtClean="0"/>
-          </a:p>
-          <a:p>
-            <a:pPr lvl="2"/>
-            <a:r>
-              <a:rPr lang="en-US" dirty="0" err="1" smtClean="0"/>
-              <a:t>Kurvtagning</a:t>
-            </a:r>
-            <a:endParaRPr lang="en-US" dirty="0" smtClean="0"/>
-          </a:p>
-          <a:p>
-            <a:pPr lvl="1"/>
-            <a:r>
-              <a:rPr lang="en-US" dirty="0" err="1" smtClean="0"/>
-              <a:t>Tejpavläsning</a:t>
-            </a:r>
-            <a:endParaRPr lang="en-US" dirty="0" smtClean="0"/>
-          </a:p>
-          <a:p>
-            <a:endParaRPr lang="en-US" dirty="0" smtClean="0"/>
-          </a:p>
-          <a:p>
-            <a:endParaRPr lang="en-US" dirty="0" smtClean="0"/>
-          </a:p>
-          <a:p>
-            <a:endParaRPr lang="en-US" dirty="0"/>
-          </a:p>
-        </p:txBody>
-      </p:sp>
-    </p:spTree>
-  </p:cSld>
-  <p:clrMapOvr>
-    <a:masterClrMapping/>
-  </p:clrMapOvr>
-  <p:timing>
-    <p:tnLst>
-      <p:par>
-        <p:cTn id="1" dur="indefinite" restart="never" nodeType="tmRoot"/>
-      </p:par>
-    </p:tnLst>
-  </p:timing>
-</p:sld>
-</file>
-
-<file path=ppt/slides/slide23.xml><?xml version="1.0" encoding="utf-8"?>
-<p:sld xmlns:a="http://schemas.openxmlformats.org/drawingml/2006/main" xmlns:r="http://schemas.openxmlformats.org/officeDocument/2006/relationships" xmlns:p="http://schemas.openxmlformats.org/presentationml/2006/main">
-  <p:cSld>
-    <p:spTree>
-      <p:nvGrpSpPr>
-        <p:cNvPr id="1" name=""/>
-        <p:cNvGrpSpPr/>
-        <p:nvPr/>
-      </p:nvGrpSpPr>
-      <p:grpSpPr>
-        <a:xfrm>
-          <a:off x="0" y="0"/>
-          <a:ext cx="0" cy="0"/>
-          <a:chOff x="0" y="0"/>
-          <a:chExt cx="0" cy="0"/>
-        </a:xfrm>
-      </p:grpSpPr>
-      <p:sp>
-        <p:nvSpPr>
-          <p:cNvPr id="2" name="Title 1"/>
-          <p:cNvSpPr>
-            <a:spLocks noGrp="1"/>
-          </p:cNvSpPr>
-          <p:nvPr>
-            <p:ph type="title"/>
-          </p:nvPr>
-        </p:nvSpPr>
-        <p:spPr/>
-        <p:txBody>
-          <a:bodyPr/>
-          <a:lstStyle/>
-          <a:p>
-            <a:r>
-              <a:rPr lang="en-US" dirty="0" err="1" smtClean="0"/>
-              <a:t>Tejpavläsning</a:t>
-            </a:r>
-            <a:endParaRPr lang="sv-SE" dirty="0"/>
-          </a:p>
-        </p:txBody>
-      </p:sp>
-      <p:sp>
-        <p:nvSpPr>
-          <p:cNvPr id="3" name="Content Placeholder 2"/>
-          <p:cNvSpPr>
-            <a:spLocks noGrp="1"/>
-          </p:cNvSpPr>
-          <p:nvPr>
-            <p:ph idx="1"/>
-          </p:nvPr>
-        </p:nvSpPr>
-        <p:spPr/>
-        <p:txBody>
-          <a:bodyPr/>
-          <a:lstStyle/>
-          <a:p>
-            <a:endParaRPr lang="en-US" dirty="0" smtClean="0"/>
-          </a:p>
-          <a:p>
-            <a:r>
-              <a:rPr lang="en-US" dirty="0" smtClean="0"/>
-              <a:t>200 </a:t>
-            </a:r>
-            <a:r>
-              <a:rPr lang="en-US" dirty="0" err="1" smtClean="0"/>
-              <a:t>gånger</a:t>
-            </a:r>
-            <a:r>
-              <a:rPr lang="en-US" dirty="0" smtClean="0"/>
-              <a:t> per </a:t>
-            </a:r>
-            <a:r>
-              <a:rPr lang="en-US" dirty="0" err="1" smtClean="0"/>
-              <a:t>sekund</a:t>
-            </a:r>
-            <a:endParaRPr lang="en-US" dirty="0" smtClean="0"/>
-          </a:p>
-          <a:p>
-            <a:endParaRPr lang="en-US" dirty="0" smtClean="0"/>
-          </a:p>
-          <a:p>
-            <a:r>
-              <a:rPr lang="en-US" dirty="0" smtClean="0"/>
-              <a:t>Problem: </a:t>
-            </a:r>
-            <a:r>
-              <a:rPr lang="en-US" dirty="0" err="1" smtClean="0"/>
-              <a:t>riktningsändring</a:t>
-            </a:r>
-            <a:r>
-              <a:rPr lang="en-US" dirty="0" smtClean="0"/>
-              <a:t> </a:t>
-            </a:r>
-            <a:r>
-              <a:rPr lang="en-US" dirty="0" err="1" smtClean="0"/>
-              <a:t>på</a:t>
-            </a:r>
-            <a:r>
-              <a:rPr lang="en-US" dirty="0" smtClean="0"/>
-              <a:t> </a:t>
-            </a:r>
-            <a:r>
-              <a:rPr lang="en-US" dirty="0" err="1" smtClean="0"/>
-              <a:t>tejpen</a:t>
-            </a:r>
-            <a:endParaRPr lang="en-US" dirty="0" smtClean="0"/>
-          </a:p>
-          <a:p>
-            <a:r>
-              <a:rPr lang="en-US" dirty="0" err="1" smtClean="0"/>
-              <a:t>Lösning</a:t>
-            </a:r>
-            <a:r>
-              <a:rPr lang="en-US" dirty="0" smtClean="0"/>
-              <a:t>: </a:t>
-            </a:r>
-            <a:r>
-              <a:rPr lang="en-US" dirty="0" err="1" smtClean="0"/>
-              <a:t>Stäng</a:t>
-            </a:r>
-            <a:r>
-              <a:rPr lang="en-US" dirty="0" smtClean="0"/>
-              <a:t> </a:t>
-            </a:r>
-            <a:r>
-              <a:rPr lang="en-US" dirty="0" err="1" smtClean="0"/>
-              <a:t>av</a:t>
-            </a:r>
-            <a:r>
-              <a:rPr lang="en-US" dirty="0" smtClean="0"/>
-              <a:t> PD-</a:t>
-            </a:r>
-            <a:r>
-              <a:rPr lang="en-US" dirty="0" err="1" smtClean="0"/>
-              <a:t>regleringen</a:t>
-            </a:r>
-            <a:endParaRPr lang="en-US" dirty="0" smtClean="0"/>
-          </a:p>
-          <a:p>
-            <a:endParaRPr lang="en-US" dirty="0" smtClean="0"/>
-          </a:p>
-          <a:p>
-            <a:endParaRPr lang="en-US" dirty="0" smtClean="0"/>
-          </a:p>
-          <a:p>
-            <a:endParaRPr lang="en-US" dirty="0" smtClean="0"/>
-          </a:p>
-        </p:txBody>
-      </p:sp>
-      <p:pic>
-        <p:nvPicPr>
-          <p:cNvPr id="5" name="Picture 2" descr="C:\Documents and Settings\marsv106\My Documents\My Pictures\Tejp.bmp"/>
-          <p:cNvPicPr>
-            <a:picLocks noChangeAspect="1" noChangeArrowheads="1"/>
-          </p:cNvPicPr>
-          <p:nvPr/>
-        </p:nvPicPr>
-        <p:blipFill>
-          <a:blip r:embed="rId2" cstate="print"/>
-          <a:srcRect/>
-          <a:stretch>
-            <a:fillRect/>
-          </a:stretch>
-        </p:blipFill>
-        <p:spPr bwMode="auto">
-          <a:xfrm>
-            <a:off x="2667000" y="5029200"/>
-            <a:ext cx="3474720" cy="914400"/>
-          </a:xfrm>
-          <a:prstGeom prst="rect">
-            <a:avLst/>
-          </a:prstGeom>
-          <a:noFill/>
-        </p:spPr>
-      </p:pic>
-    </p:spTree>
-  </p:cSld>
-  <p:clrMapOvr>
-    <a:masterClrMapping/>
-  </p:clrMapOvr>
-  <p:timing>
-    <p:tnLst>
-      <p:par>
-        <p:cTn id="1" dur="indefinite" restart="never" nodeType="tmRoot">
-          <p:childTnLst>
-            <p:seq concurrent="1" nextAc="seek">
-              <p:cTn id="2" dur="indefinite" nodeType="mainSeq">
-                <p:childTnLst>
-                  <p:par>
-                    <p:cTn id="3" fill="hold">
-                      <p:stCondLst>
-                        <p:cond delay="indefinite"/>
-                      </p:stCondLst>
-                      <p:childTnLst>
-                        <p:par>
-                          <p:cTn id="4" fill="hold">
-                            <p:stCondLst>
-                              <p:cond delay="0"/>
-                            </p:stCondLst>
-                            <p:childTnLst>
-                              <p:par>
-                                <p:cTn id="5" presetID="1" presetClass="entr" presetSubtype="0" fill="hold" nodeType="clickEffect">
-                                  <p:stCondLst>
-                                    <p:cond delay="0"/>
-                                  </p:stCondLst>
-                                  <p:childTnLst>
-                                    <p:set>
-                                      <p:cBhvr>
-                                        <p:cTn id="6" dur="1" fill="hold">
-                                          <p:stCondLst>
-                                            <p:cond delay="0"/>
-                                          </p:stCondLst>
-                                        </p:cTn>
-                                        <p:tgtEl>
-                                          <p:spTgt spid="3">
-                                            <p:txEl>
-                                              <p:pRg st="4" end="4"/>
-                                            </p:txEl>
-                                          </p:spTgt>
-                                        </p:tgtEl>
-                                        <p:attrNameLst>
-                                          <p:attrName>style.visibility</p:attrName>
-                                        </p:attrNameLst>
-                                      </p:cBhvr>
-                                      <p:to>
-                                        <p:strVal val="visible"/>
-                                      </p:to>
-                                    </p:set>
-                                  </p:childTnLst>
-                                </p:cTn>
-                              </p:par>
-                            </p:childTnLst>
-                          </p:cTn>
-                        </p:par>
-                      </p:childTnLst>
-                    </p:cTn>
-                  </p:par>
-                </p:childTnLst>
-              </p:cTn>
-              <p:prevCondLst>
-                <p:cond evt="onPrev" delay="0">
-                  <p:tgtEl>
-                    <p:sldTgt/>
-                  </p:tgtEl>
-                </p:cond>
-              </p:prevCondLst>
-              <p:nextCondLst>
-                <p:cond evt="onNext" delay="0">
-                  <p:tgtEl>
-                    <p:sldTgt/>
-                  </p:tgtEl>
-                </p:cond>
-              </p:nextCondLst>
-            </p:seq>
-          </p:childTnLst>
-        </p:cTn>
-      </p:par>
-    </p:tnLst>
-  </p:timing>
-</p:sld>
-</file>
-
-<file path=ppt/slides/slide24.xml><?xml version="1.0" encoding="utf-8"?>
-<p:sld xmlns:a="http://schemas.openxmlformats.org/drawingml/2006/main" xmlns:r="http://schemas.openxmlformats.org/officeDocument/2006/relationships" xmlns:p="http://schemas.openxmlformats.org/presentationml/2006/main">
-  <p:cSld>
-    <p:spTree>
-      <p:nvGrpSpPr>
-        <p:cNvPr id="1" name=""/>
-        <p:cNvGrpSpPr/>
-        <p:nvPr/>
-      </p:nvGrpSpPr>
-      <p:grpSpPr>
-        <a:xfrm>
-          <a:off x="0" y="0"/>
-          <a:ext cx="0" cy="0"/>
-          <a:chOff x="0" y="0"/>
-          <a:chExt cx="0" cy="0"/>
-        </a:xfrm>
-      </p:grpSpPr>
-      <p:sp>
-        <p:nvSpPr>
-          <p:cNvPr id="2" name="Title 1"/>
-          <p:cNvSpPr>
-            <a:spLocks noGrp="1"/>
-          </p:cNvSpPr>
-          <p:nvPr>
-            <p:ph type="title"/>
-          </p:nvPr>
-        </p:nvSpPr>
-        <p:spPr/>
-        <p:txBody>
-          <a:bodyPr/>
-          <a:lstStyle/>
-          <a:p>
-            <a:r>
-              <a:rPr lang="en-US" dirty="0" err="1" smtClean="0"/>
-              <a:t>Kurvtagning</a:t>
-            </a:r>
-            <a:endParaRPr lang="sv-SE" dirty="0"/>
-          </a:p>
-        </p:txBody>
-      </p:sp>
-      <p:sp>
-        <p:nvSpPr>
-          <p:cNvPr id="3" name="Content Placeholder 2"/>
-          <p:cNvSpPr>
-            <a:spLocks noGrp="1"/>
-          </p:cNvSpPr>
-          <p:nvPr>
-            <p:ph idx="1"/>
-          </p:nvPr>
-        </p:nvSpPr>
-        <p:spPr/>
-        <p:txBody>
-          <a:bodyPr>
-            <a:normAutofit/>
-          </a:bodyPr>
-          <a:lstStyle/>
-          <a:p>
-            <a:r>
-              <a:rPr lang="en-US" dirty="0" err="1" smtClean="0"/>
-              <a:t>Minimera</a:t>
-            </a:r>
-            <a:r>
-              <a:rPr lang="en-US" dirty="0" smtClean="0"/>
-              <a:t> </a:t>
-            </a:r>
-            <a:r>
-              <a:rPr lang="en-US" dirty="0" err="1" smtClean="0"/>
-              <a:t>batteriberoendet</a:t>
-            </a:r>
-            <a:endParaRPr lang="en-US" dirty="0" smtClean="0"/>
-          </a:p>
-          <a:p>
-            <a:r>
-              <a:rPr lang="en-US" dirty="0" err="1" smtClean="0"/>
-              <a:t>Mjuk</a:t>
-            </a:r>
-            <a:r>
-              <a:rPr lang="en-US" dirty="0" smtClean="0"/>
-              <a:t> </a:t>
-            </a:r>
-            <a:r>
-              <a:rPr lang="en-US" dirty="0" err="1" smtClean="0"/>
-              <a:t>kurvtagning</a:t>
-            </a:r>
-            <a:endParaRPr lang="en-US" dirty="0" smtClean="0"/>
-          </a:p>
-          <a:p>
-            <a:pPr>
-              <a:buNone/>
-            </a:pPr>
-            <a:endParaRPr lang="en-US" dirty="0" smtClean="0"/>
-          </a:p>
-          <a:p>
-            <a:r>
-              <a:rPr lang="en-US" dirty="0" smtClean="0"/>
-              <a:t>Problem: </a:t>
-            </a:r>
-            <a:r>
-              <a:rPr lang="en-US" dirty="0" err="1" smtClean="0"/>
-              <a:t>När</a:t>
-            </a:r>
-            <a:r>
-              <a:rPr lang="en-US" dirty="0" smtClean="0"/>
-              <a:t> </a:t>
-            </a:r>
-            <a:r>
-              <a:rPr lang="en-US" dirty="0" err="1" smtClean="0"/>
-              <a:t>är</a:t>
-            </a:r>
-            <a:r>
-              <a:rPr lang="en-US" dirty="0" smtClean="0"/>
-              <a:t> </a:t>
-            </a:r>
-            <a:r>
-              <a:rPr lang="en-US" dirty="0" err="1" smtClean="0"/>
-              <a:t>roboten</a:t>
-            </a:r>
-            <a:r>
-              <a:rPr lang="en-US" dirty="0" smtClean="0"/>
-              <a:t> </a:t>
-            </a:r>
-            <a:r>
-              <a:rPr lang="en-US" dirty="0" err="1" smtClean="0"/>
-              <a:t>ute</a:t>
-            </a:r>
-            <a:r>
-              <a:rPr lang="en-US" dirty="0" smtClean="0"/>
-              <a:t> </a:t>
-            </a:r>
-            <a:r>
-              <a:rPr lang="en-US" dirty="0" err="1" smtClean="0"/>
-              <a:t>ur</a:t>
-            </a:r>
-            <a:r>
-              <a:rPr lang="en-US" dirty="0" smtClean="0"/>
-              <a:t> </a:t>
-            </a:r>
-            <a:r>
-              <a:rPr lang="en-US" dirty="0" err="1" smtClean="0"/>
-              <a:t>kurvan</a:t>
-            </a:r>
-            <a:r>
-              <a:rPr lang="en-US" dirty="0" smtClean="0"/>
-              <a:t>?</a:t>
-            </a:r>
-          </a:p>
-          <a:p>
-            <a:r>
-              <a:rPr lang="en-US" dirty="0" err="1" smtClean="0"/>
-              <a:t>Lösning</a:t>
-            </a:r>
-            <a:r>
-              <a:rPr lang="en-US" dirty="0" smtClean="0"/>
-              <a:t>: Keep it simple!</a:t>
-            </a:r>
-          </a:p>
-          <a:p>
-            <a:endParaRPr lang="en-US" dirty="0" smtClean="0"/>
-          </a:p>
-          <a:p>
-            <a:r>
-              <a:rPr lang="en-US" dirty="0" smtClean="0"/>
-              <a:t> </a:t>
-            </a:r>
-            <a:r>
-              <a:rPr lang="en-US" dirty="0" err="1" smtClean="0"/>
-              <a:t>Nytt</a:t>
-            </a:r>
-            <a:r>
-              <a:rPr lang="en-US" dirty="0" smtClean="0"/>
-              <a:t> problem: </a:t>
-            </a:r>
-            <a:r>
-              <a:rPr lang="en-US" dirty="0" err="1" smtClean="0"/>
-              <a:t>Högt</a:t>
-            </a:r>
-            <a:r>
-              <a:rPr lang="en-US" dirty="0" smtClean="0"/>
-              <a:t> </a:t>
-            </a:r>
-            <a:r>
-              <a:rPr lang="en-US" dirty="0" err="1" smtClean="0"/>
-              <a:t>batteriberoende</a:t>
-            </a:r>
-            <a:endParaRPr lang="en-US" dirty="0" smtClean="0"/>
-          </a:p>
-          <a:p>
-            <a:r>
-              <a:rPr lang="en-US" dirty="0" err="1" smtClean="0"/>
-              <a:t>Lösning</a:t>
-            </a:r>
-            <a:r>
-              <a:rPr lang="en-US" dirty="0" smtClean="0"/>
-              <a:t>: Gyro</a:t>
-            </a:r>
-          </a:p>
-          <a:p>
-            <a:endParaRPr lang="en-US" dirty="0" smtClean="0"/>
-          </a:p>
-        </p:txBody>
-      </p:sp>
-    </p:spTree>
-  </p:cSld>
-  <p:clrMapOvr>
-    <a:masterClrMapping/>
-  </p:clrMapOvr>
-  <p:timing>
-    <p:tnLst>
-      <p:par>
-        <p:cTn id="1" dur="indefinite" restart="never" nodeType="tmRoot">
-          <p:childTnLst>
-            <p:seq concurrent="1" nextAc="seek">
-              <p:cTn id="2" dur="indefinite" nodeType="mainSeq">
-                <p:childTnLst>
-                  <p:par>
-                    <p:cTn id="3" fill="hold">
-                      <p:stCondLst>
-                        <p:cond delay="indefinite"/>
-                      </p:stCondLst>
-                      <p:childTnLst>
-                        <p:par>
-                          <p:cTn id="4" fill="hold">
-                            <p:stCondLst>
-                              <p:cond delay="0"/>
-                            </p:stCondLst>
-                            <p:childTnLst>
-                              <p:par>
-                                <p:cTn id="5" presetID="1" presetClass="entr" presetSubtype="0" fill="hold" nodeType="clickEffect">
-                                  <p:stCondLst>
-                                    <p:cond delay="0"/>
-                                  </p:stCondLst>
-                                  <p:childTnLst>
-                                    <p:set>
-                                      <p:cBhvr>
-                                        <p:cTn id="6" dur="1" fill="hold">
-                                          <p:stCondLst>
-                                            <p:cond delay="0"/>
-                                          </p:stCondLst>
-                                        </p:cTn>
-                                        <p:tgtEl>
-                                          <p:spTgt spid="3">
-                                            <p:txEl>
-                                              <p:pRg st="3" end="3"/>
-                                            </p:txEl>
-                                          </p:spTgt>
-                                        </p:tgtEl>
-                                        <p:attrNameLst>
-                                          <p:attrName>style.visibility</p:attrName>
-                                        </p:attrNameLst>
-                                      </p:cBhvr>
-                                      <p:to>
-                                        <p:strVal val="visible"/>
-                                      </p:to>
-                                    </p:set>
-                                  </p:childTnLst>
-                                </p:cTn>
-                              </p:par>
-                            </p:childTnLst>
-                          </p:cTn>
-                        </p:par>
-                      </p:childTnLst>
-                    </p:cTn>
-                  </p:par>
-                  <p:par>
-                    <p:cTn id="7" fill="hold">
-                      <p:stCondLst>
-                        <p:cond delay="indefinite"/>
-                      </p:stCondLst>
-                      <p:childTnLst>
-                        <p:par>
-                          <p:cTn id="8" fill="hold">
-                            <p:stCondLst>
-                              <p:cond delay="0"/>
-                            </p:stCondLst>
-                            <p:childTnLst>
-                              <p:par>
-                                <p:cTn id="9" presetID="1" presetClass="entr" presetSubtype="0" fill="hold" nodeType="clickEffect">
-                                  <p:stCondLst>
-                                    <p:cond delay="0"/>
-                                  </p:stCondLst>
-                                  <p:childTnLst>
-                                    <p:set>
-                                      <p:cBhvr>
-                                        <p:cTn id="10" dur="1" fill="hold">
-                                          <p:stCondLst>
-                                            <p:cond delay="0"/>
-                                          </p:stCondLst>
-                                        </p:cTn>
-                                        <p:tgtEl>
-                                          <p:spTgt spid="3">
-                                            <p:txEl>
-                                              <p:pRg st="4" end="4"/>
-                                            </p:txEl>
-                                          </p:spTgt>
-                                        </p:tgtEl>
-                                        <p:attrNameLst>
-                                          <p:attrName>style.visibility</p:attrName>
-                                        </p:attrNameLst>
-                                      </p:cBhvr>
-                                      <p:to>
-                                        <p:strVal val="visible"/>
-                                      </p:to>
-                                    </p:set>
-                                  </p:childTnLst>
-                                </p:cTn>
-                              </p:par>
-                            </p:childTnLst>
-                          </p:cTn>
-                        </p:par>
-                      </p:childTnLst>
-                    </p:cTn>
-                  </p:par>
-                  <p:par>
-                    <p:cTn id="11" fill="hold">
-                      <p:stCondLst>
-                        <p:cond delay="indefinite"/>
-                      </p:stCondLst>
-                      <p:childTnLst>
-                        <p:par>
-                          <p:cTn id="12" fill="hold">
-                            <p:stCondLst>
-                              <p:cond delay="0"/>
-                            </p:stCondLst>
-                            <p:childTnLst>
-                              <p:par>
-                                <p:cTn id="13" presetID="1" presetClass="entr" presetSubtype="0" fill="hold" nodeType="clickEffect">
-                                  <p:stCondLst>
-                                    <p:cond delay="0"/>
-                                  </p:stCondLst>
-                                  <p:childTnLst>
-                                    <p:set>
-                                      <p:cBhvr>
-                                        <p:cTn id="14" dur="1" fill="hold">
-                                          <p:stCondLst>
-                                            <p:cond delay="0"/>
-                                          </p:stCondLst>
-                                        </p:cTn>
-                                        <p:tgtEl>
-                                          <p:spTgt spid="3">
-                                            <p:txEl>
-                                              <p:pRg st="6" end="6"/>
-                                            </p:txEl>
-                                          </p:spTgt>
-                                        </p:tgtEl>
-                                        <p:attrNameLst>
-                                          <p:attrName>style.visibility</p:attrName>
-                                        </p:attrNameLst>
-                                      </p:cBhvr>
-                                      <p:to>
-                                        <p:strVal val="visible"/>
-                                      </p:to>
-                                    </p:set>
-                                  </p:childTnLst>
-                                </p:cTn>
-                              </p:par>
-                            </p:childTnLst>
-                          </p:cTn>
-                        </p:par>
-                      </p:childTnLst>
-                    </p:cTn>
-                  </p:par>
-                  <p:par>
-                    <p:cTn id="15" fill="hold">
-                      <p:stCondLst>
-                        <p:cond delay="indefinite"/>
-                      </p:stCondLst>
-                      <p:childTnLst>
-                        <p:par>
-                          <p:cTn id="16" fill="hold">
-                            <p:stCondLst>
-                              <p:cond delay="0"/>
-                            </p:stCondLst>
-                            <p:childTnLst>
-                              <p:par>
-                                <p:cTn id="17" presetID="1" presetClass="entr" presetSubtype="0" fill="hold" nodeType="clickEffect">
-                                  <p:stCondLst>
-                                    <p:cond delay="0"/>
-                                  </p:stCondLst>
-                                  <p:childTnLst>
-                                    <p:set>
-                                      <p:cBhvr>
-                                        <p:cTn id="18" dur="1" fill="hold">
-                                          <p:stCondLst>
-                                            <p:cond delay="0"/>
-                                          </p:stCondLst>
-                                        </p:cTn>
-                                        <p:tgtEl>
-                                          <p:spTgt spid="3">
-                                            <p:txEl>
-                                              <p:pRg st="7" end="7"/>
-                                            </p:txEl>
-                                          </p:spTgt>
-                                        </p:tgtEl>
-                                        <p:attrNameLst>
-                                          <p:attrName>style.visibility</p:attrName>
-                                        </p:attrNameLst>
-                                      </p:cBhvr>
-                                      <p:to>
-                                        <p:strVal val="visible"/>
-                                      </p:to>
-                                    </p:set>
-                                  </p:childTnLst>
-                                </p:cTn>
-                              </p:par>
-                            </p:childTnLst>
-                          </p:cTn>
-                        </p:par>
-                      </p:childTnLst>
-                    </p:cTn>
-                  </p:par>
-                </p:childTnLst>
-              </p:cTn>
-              <p:prevCondLst>
-                <p:cond evt="onPrev" delay="0">
-                  <p:tgtEl>
-                    <p:sldTgt/>
-                  </p:tgtEl>
-                </p:cond>
-              </p:prevCondLst>
-              <p:nextCondLst>
-                <p:cond evt="onNext" delay="0">
-                  <p:tgtEl>
-                    <p:sldTgt/>
-                  </p:tgtEl>
-                </p:cond>
-              </p:nextCondLst>
-            </p:seq>
-          </p:childTnLst>
-        </p:cTn>
-      </p:par>
-    </p:tnLst>
-  </p:timing>
-</p:sld>
-</file>
-
-<file path=ppt/slides/slide25.xml><?xml version="1.0" encoding="utf-8"?>
-<p:sld xmlns:a="http://schemas.openxmlformats.org/drawingml/2006/main" xmlns:r="http://schemas.openxmlformats.org/officeDocument/2006/relationships" xmlns:p="http://schemas.openxmlformats.org/presentationml/2006/main">
-  <p:cSld>
-    <p:spTree>
-      <p:nvGrpSpPr>
-        <p:cNvPr id="1" name=""/>
-        <p:cNvGrpSpPr/>
-        <p:nvPr/>
-      </p:nvGrpSpPr>
-      <p:grpSpPr>
-        <a:xfrm>
-          <a:off x="0" y="0"/>
-          <a:ext cx="0" cy="0"/>
-          <a:chOff x="0" y="0"/>
-          <a:chExt cx="0" cy="0"/>
-        </a:xfrm>
-      </p:grpSpPr>
-      <p:sp>
-        <p:nvSpPr>
-          <p:cNvPr id="2" name="Title 1"/>
-          <p:cNvSpPr>
-            <a:spLocks noGrp="1"/>
-          </p:cNvSpPr>
-          <p:nvPr>
-            <p:ph type="title"/>
-          </p:nvPr>
-        </p:nvSpPr>
-        <p:spPr/>
-        <p:txBody>
-          <a:bodyPr/>
-          <a:lstStyle/>
-          <a:p>
-            <a:r>
-              <a:rPr lang="en-US" dirty="0" smtClean="0"/>
-              <a:t>“Fail-safe”</a:t>
-            </a:r>
-            <a:endParaRPr lang="sv-SE" dirty="0"/>
-          </a:p>
-        </p:txBody>
-      </p:sp>
-      <p:sp>
-        <p:nvSpPr>
-          <p:cNvPr id="3" name="Content Placeholder 2"/>
-          <p:cNvSpPr>
-            <a:spLocks noGrp="1"/>
-          </p:cNvSpPr>
-          <p:nvPr>
-            <p:ph idx="1"/>
-          </p:nvPr>
-        </p:nvSpPr>
-        <p:spPr/>
-        <p:txBody>
-          <a:bodyPr/>
-          <a:lstStyle/>
-          <a:p>
-            <a:endParaRPr lang="en-US" dirty="0" smtClean="0"/>
-          </a:p>
-          <a:p>
-            <a:endParaRPr lang="en-US" dirty="0" smtClean="0"/>
-          </a:p>
-          <a:p>
-            <a:endParaRPr lang="en-US" dirty="0" smtClean="0"/>
-          </a:p>
-          <a:p>
-            <a:endParaRPr lang="en-US" dirty="0" smtClean="0"/>
-          </a:p>
-          <a:p>
-            <a:endParaRPr lang="en-US" dirty="0" smtClean="0"/>
-          </a:p>
-          <a:p>
-            <a:endParaRPr lang="en-US" dirty="0" smtClean="0"/>
-          </a:p>
-          <a:p>
-            <a:endParaRPr lang="en-US" dirty="0" smtClean="0"/>
-          </a:p>
-          <a:p>
-            <a:endParaRPr lang="en-US" dirty="0" smtClean="0"/>
-          </a:p>
-          <a:p>
-            <a:r>
-              <a:rPr lang="en-US" dirty="0" err="1" smtClean="0"/>
-              <a:t>Lösning</a:t>
-            </a:r>
-            <a:r>
-              <a:rPr lang="en-US" dirty="0" smtClean="0"/>
-              <a:t>: </a:t>
-            </a:r>
-            <a:r>
-              <a:rPr lang="en-US" dirty="0" err="1" smtClean="0"/>
-              <a:t>Åk</a:t>
-            </a:r>
-            <a:r>
-              <a:rPr lang="en-US" dirty="0" smtClean="0"/>
-              <a:t> till mitten.</a:t>
-            </a:r>
-          </a:p>
-        </p:txBody>
-      </p:sp>
-      <p:pic>
-        <p:nvPicPr>
-          <p:cNvPr id="5" name="Picture 2" descr="B:\Grupp7\Dokument och bilder\PÖWERPÖJNT\Kurvfail.bmp"/>
-          <p:cNvPicPr>
-            <a:picLocks noChangeAspect="1" noChangeArrowheads="1"/>
-          </p:cNvPicPr>
-          <p:nvPr/>
-        </p:nvPicPr>
-        <p:blipFill>
-          <a:blip r:embed="rId2" cstate="print"/>
-          <a:srcRect/>
-          <a:stretch>
-            <a:fillRect/>
-          </a:stretch>
-        </p:blipFill>
-        <p:spPr bwMode="auto">
-          <a:xfrm>
-            <a:off x="1600200" y="1676400"/>
-            <a:ext cx="5879044" cy="4017963"/>
-          </a:xfrm>
-          <a:prstGeom prst="rect">
-            <a:avLst/>
-          </a:prstGeom>
-          <a:noFill/>
-        </p:spPr>
-      </p:pic>
-    </p:spTree>
-  </p:cSld>
-  <p:clrMapOvr>
-    <a:masterClrMapping/>
-  </p:clrMapOvr>
-  <p:timing>
-    <p:tnLst>
-      <p:par>
-        <p:cTn id="1" dur="indefinite" restart="never" nodeType="tmRoot">
-          <p:childTnLst>
-            <p:seq concurrent="1" nextAc="seek">
-              <p:cTn id="2" dur="indefinite" nodeType="mainSeq">
-                <p:childTnLst>
-                  <p:par>
-                    <p:cTn id="3" fill="hold">
-                      <p:stCondLst>
-                        <p:cond delay="indefinite"/>
-                      </p:stCondLst>
-                      <p:childTnLst>
-                        <p:par>
-                          <p:cTn id="4" fill="hold">
-                            <p:stCondLst>
-                              <p:cond delay="0"/>
-                            </p:stCondLst>
-                            <p:childTnLst>
-                              <p:par>
-                                <p:cTn id="5" presetID="1" presetClass="entr" presetSubtype="0" fill="hold" nodeType="clickEffect">
-                                  <p:stCondLst>
-                                    <p:cond delay="0"/>
-                                  </p:stCondLst>
-                                  <p:childTnLst>
-                                    <p:set>
-                                      <p:cBhvr>
-                                        <p:cTn id="6" dur="1" fill="hold">
-                                          <p:stCondLst>
-                                            <p:cond delay="0"/>
-                                          </p:stCondLst>
-                                        </p:cTn>
-                                        <p:tgtEl>
-                                          <p:spTgt spid="3">
-                                            <p:txEl>
-                                              <p:pRg st="8" end="8"/>
-                                            </p:txEl>
-                                          </p:spTgt>
-                                        </p:tgtEl>
-                                        <p:attrNameLst>
-                                          <p:attrName>style.visibility</p:attrName>
-                                        </p:attrNameLst>
-                                      </p:cBhvr>
-                                      <p:to>
-                                        <p:strVal val="visible"/>
-                                      </p:to>
-                                    </p:set>
-                                  </p:childTnLst>
-                                </p:cTn>
-                              </p:par>
-                            </p:childTnLst>
-                          </p:cTn>
-                        </p:par>
-                      </p:childTnLst>
-                    </p:cTn>
-                  </p:par>
-                </p:childTnLst>
-              </p:cTn>
-              <p:prevCondLst>
-                <p:cond evt="onPrev" delay="0">
-                  <p:tgtEl>
-                    <p:sldTgt/>
-                  </p:tgtEl>
-                </p:cond>
-              </p:prevCondLst>
-              <p:nextCondLst>
-                <p:cond evt="onNext" delay="0">
-                  <p:tgtEl>
-                    <p:sldTgt/>
-                  </p:tgtEl>
-                </p:cond>
-              </p:nextCondLst>
-            </p:seq>
-          </p:childTnLst>
-        </p:cTn>
-      </p:par>
-    </p:tnLst>
-  </p:timing>
-</p:sld>
-</file>
-
-<file path=ppt/slides/slide26.xml><?xml version="1.0" encoding="utf-8"?>
-<p:sld xmlns:a="http://schemas.openxmlformats.org/drawingml/2006/main" xmlns:r="http://schemas.openxmlformats.org/officeDocument/2006/relationships" xmlns:p="http://schemas.openxmlformats.org/presentationml/2006/main">
-  <p:cSld>
-    <p:spTree>
-      <p:nvGrpSpPr>
-        <p:cNvPr id="1" name=""/>
-        <p:cNvGrpSpPr/>
-        <p:nvPr/>
-      </p:nvGrpSpPr>
-      <p:grpSpPr>
-        <a:xfrm>
-          <a:off x="0" y="0"/>
-          <a:ext cx="0" cy="0"/>
-          <a:chOff x="0" y="0"/>
-          <a:chExt cx="0" cy="0"/>
-        </a:xfrm>
-      </p:grpSpPr>
-      <p:sp>
-        <p:nvSpPr>
-          <p:cNvPr id="2" name="Title 1"/>
-          <p:cNvSpPr>
-            <a:spLocks noGrp="1"/>
-          </p:cNvSpPr>
-          <p:nvPr>
-            <p:ph type="title"/>
-          </p:nvPr>
-        </p:nvSpPr>
-        <p:spPr/>
-        <p:txBody>
-          <a:bodyPr/>
-          <a:lstStyle/>
-          <a:p>
-            <a:r>
-              <a:rPr lang="en-US" dirty="0" smtClean="0"/>
-              <a:t>Design</a:t>
-            </a:r>
-            <a:endParaRPr lang="en-US" dirty="0"/>
-          </a:p>
-        </p:txBody>
-      </p:sp>
-      <p:sp>
-        <p:nvSpPr>
-          <p:cNvPr id="3" name="Content Placeholder 2"/>
-          <p:cNvSpPr>
-            <a:spLocks noGrp="1"/>
-          </p:cNvSpPr>
-          <p:nvPr>
-            <p:ph idx="1"/>
-          </p:nvPr>
-        </p:nvSpPr>
-        <p:spPr/>
-        <p:txBody>
-          <a:bodyPr/>
-          <a:lstStyle/>
-          <a:p>
-            <a:r>
-              <a:rPr lang="en-US" dirty="0" err="1" smtClean="0"/>
-              <a:t>Lampor</a:t>
-            </a:r>
-            <a:endParaRPr lang="en-US" dirty="0" smtClean="0"/>
-          </a:p>
-          <a:p>
-            <a:pPr lvl="1"/>
-            <a:r>
-              <a:rPr lang="en-US" dirty="0" err="1" smtClean="0"/>
-              <a:t>Visar</a:t>
-            </a:r>
-            <a:r>
-              <a:rPr lang="en-US" dirty="0" smtClean="0"/>
-              <a:t> </a:t>
-            </a:r>
-            <a:r>
-              <a:rPr lang="en-US" dirty="0" err="1" smtClean="0"/>
-              <a:t>vägval</a:t>
-            </a:r>
-            <a:endParaRPr lang="en-US" dirty="0"/>
-          </a:p>
-        </p:txBody>
-      </p:sp>
-      <p:pic>
-        <p:nvPicPr>
-          <p:cNvPr id="5" name="Picture 4" descr="Lampa allah.JPG"/>
-          <p:cNvPicPr>
-            <a:picLocks noChangeAspect="1"/>
-          </p:cNvPicPr>
-          <p:nvPr/>
-        </p:nvPicPr>
-        <p:blipFill>
-          <a:blip r:embed="rId2" cstate="print"/>
-          <a:stretch>
-            <a:fillRect/>
-          </a:stretch>
-        </p:blipFill>
-        <p:spPr>
-          <a:xfrm>
-            <a:off x="685800" y="3200400"/>
-            <a:ext cx="7867650" cy="2676525"/>
-          </a:xfrm>
-          <a:prstGeom prst="rect">
-            <a:avLst/>
-          </a:prstGeom>
-        </p:spPr>
-      </p:pic>
-    </p:spTree>
-  </p:cSld>
-  <p:clrMapOvr>
-    <a:masterClrMapping/>
-  </p:clrMapOvr>
-  <p:timing>
-    <p:tnLst>
-      <p:par>
-        <p:cTn id="1" dur="indefinite" restart="never" nodeType="tmRoot"/>
-      </p:par>
-    </p:tnLst>
-  </p:timing>
-</p:sld>
-</file>
-
-<file path=ppt/slides/slide27.xml><?xml version="1.0" encoding="utf-8"?>
-<p:sld xmlns:a="http://schemas.openxmlformats.org/drawingml/2006/main" xmlns:r="http://schemas.openxmlformats.org/officeDocument/2006/relationships" xmlns:p="http://schemas.openxmlformats.org/presentationml/2006/main">
-  <p:cSld>
-    <p:spTree>
-      <p:nvGrpSpPr>
-        <p:cNvPr id="1" name=""/>
-        <p:cNvGrpSpPr/>
-        <p:nvPr/>
-      </p:nvGrpSpPr>
-      <p:grpSpPr>
-        <a:xfrm>
-          <a:off x="0" y="0"/>
-          <a:ext cx="0" cy="0"/>
-          <a:chOff x="0" y="0"/>
-          <a:chExt cx="0" cy="0"/>
-        </a:xfrm>
-      </p:grpSpPr>
-      <p:sp>
-        <p:nvSpPr>
-          <p:cNvPr id="2" name="Title 1"/>
-          <p:cNvSpPr>
-            <a:spLocks noGrp="1"/>
-          </p:cNvSpPr>
-          <p:nvPr>
-            <p:ph type="title"/>
-          </p:nvPr>
-        </p:nvSpPr>
-        <p:spPr/>
-        <p:txBody>
-          <a:bodyPr>
-            <a:normAutofit/>
-          </a:bodyPr>
-          <a:lstStyle/>
-          <a:p>
-            <a:r>
-              <a:rPr lang="en-US" dirty="0" err="1" smtClean="0"/>
-              <a:t>Varför</a:t>
-            </a:r>
-            <a:r>
-              <a:rPr lang="en-US" dirty="0" smtClean="0"/>
-              <a:t> “</a:t>
-            </a:r>
-            <a:r>
-              <a:rPr lang="en-US" dirty="0" err="1" smtClean="0"/>
-              <a:t>Bulan</a:t>
-            </a:r>
-            <a:r>
-              <a:rPr lang="en-US" dirty="0" smtClean="0"/>
-              <a:t>”?</a:t>
-            </a:r>
-            <a:endParaRPr lang="en-US" dirty="0"/>
-          </a:p>
-        </p:txBody>
-      </p:sp>
-      <p:sp>
-        <p:nvSpPr>
-          <p:cNvPr id="3" name="Content Placeholder 2"/>
-          <p:cNvSpPr>
-            <a:spLocks noGrp="1"/>
-          </p:cNvSpPr>
-          <p:nvPr>
-            <p:ph idx="1"/>
-          </p:nvPr>
-        </p:nvSpPr>
-        <p:spPr/>
-        <p:txBody>
-          <a:bodyPr/>
-          <a:lstStyle/>
-          <a:p>
-            <a:r>
-              <a:rPr lang="en-US" dirty="0" err="1" smtClean="0"/>
-              <a:t>Autonom</a:t>
-            </a:r>
-            <a:r>
-              <a:rPr lang="en-US" dirty="0" smtClean="0"/>
-              <a:t> </a:t>
-            </a:r>
-            <a:r>
-              <a:rPr lang="en-US" dirty="0" err="1" smtClean="0"/>
-              <a:t>upplockning</a:t>
-            </a:r>
-            <a:endParaRPr lang="en-US" dirty="0" smtClean="0"/>
-          </a:p>
-          <a:p>
-            <a:r>
-              <a:rPr lang="en-US" dirty="0" err="1" smtClean="0"/>
-              <a:t>Snyggt</a:t>
-            </a:r>
-            <a:r>
-              <a:rPr lang="en-US" dirty="0" smtClean="0"/>
-              <a:t> </a:t>
-            </a:r>
-            <a:r>
-              <a:rPr lang="en-US" dirty="0" err="1" smtClean="0"/>
-              <a:t>och</a:t>
-            </a:r>
-            <a:r>
-              <a:rPr lang="en-US" dirty="0" smtClean="0"/>
-              <a:t> </a:t>
-            </a:r>
-            <a:r>
-              <a:rPr lang="en-US" dirty="0" err="1" smtClean="0"/>
-              <a:t>tydligt</a:t>
-            </a:r>
-            <a:r>
-              <a:rPr lang="en-US" dirty="0" smtClean="0"/>
-              <a:t> interface</a:t>
-            </a:r>
-          </a:p>
-          <a:p>
-            <a:r>
-              <a:rPr lang="en-US" dirty="0" smtClean="0"/>
-              <a:t>Fail-safe</a:t>
-            </a:r>
-          </a:p>
-          <a:p>
-            <a:r>
-              <a:rPr lang="en-US" dirty="0" err="1" smtClean="0"/>
-              <a:t>Vacker</a:t>
-            </a:r>
-            <a:r>
-              <a:rPr lang="en-US" dirty="0" smtClean="0"/>
-              <a:t> design</a:t>
-            </a:r>
-          </a:p>
-          <a:p>
-            <a:r>
-              <a:rPr lang="en-US" dirty="0" smtClean="0"/>
-              <a:t>Kan </a:t>
-            </a:r>
-            <a:r>
-              <a:rPr lang="en-US" dirty="0" err="1" smtClean="0"/>
-              <a:t>dansa</a:t>
-            </a:r>
-            <a:r>
-              <a:rPr lang="en-US" dirty="0" smtClean="0"/>
-              <a:t> </a:t>
-            </a:r>
-            <a:r>
-              <a:rPr lang="en-US" dirty="0" err="1" smtClean="0"/>
-              <a:t>segerdans</a:t>
-            </a:r>
-            <a:endParaRPr lang="en-US" dirty="0" smtClean="0"/>
-          </a:p>
-          <a:p>
-            <a:pPr>
-              <a:buNone/>
-            </a:pPr>
-            <a:endParaRPr lang="en-US" dirty="0" smtClean="0"/>
-          </a:p>
-          <a:p>
-            <a:endParaRPr lang="en-US" dirty="0" smtClean="0"/>
-          </a:p>
-          <a:p>
-            <a:pPr>
-              <a:buNone/>
-            </a:pPr>
-            <a:endParaRPr lang="en-US" dirty="0"/>
-          </a:p>
-        </p:txBody>
-      </p:sp>
-    </p:spTree>
-  </p:cSld>
-  <p:clrMapOvr>
-    <a:masterClrMapping/>
-  </p:clrMapOvr>
-  <p:timing>
-    <p:tnLst>
-      <p:par>
-        <p:cTn id="1" dur="indefinite" restart="never" nodeType="tmRoot"/>
-      </p:par>
-    </p:tnLst>
-  </p:timing>
-</p:sld>
-</file>
-
-<file path=ppt/slides/slide28.xml><?xml version="1.0" encoding="utf-8"?>
-<p:sld xmlns:a="http://schemas.openxmlformats.org/drawingml/2006/main" xmlns:r="http://schemas.openxmlformats.org/officeDocument/2006/relationships" xmlns:p="http://schemas.openxmlformats.org/presentationml/2006/main">
-  <p:cSld>
-    <p:spTree>
-      <p:nvGrpSpPr>
-        <p:cNvPr id="1" name=""/>
-        <p:cNvGrpSpPr/>
-        <p:nvPr/>
-      </p:nvGrpSpPr>
-      <p:grpSpPr>
-        <a:xfrm>
-          <a:off x="0" y="0"/>
-          <a:ext cx="0" cy="0"/>
-          <a:chOff x="0" y="0"/>
-          <a:chExt cx="0" cy="0"/>
-        </a:xfrm>
-      </p:grpSpPr>
-      <p:sp>
-        <p:nvSpPr>
-          <p:cNvPr id="2" name="Title 1"/>
-          <p:cNvSpPr>
-            <a:spLocks noGrp="1"/>
-          </p:cNvSpPr>
-          <p:nvPr>
-            <p:ph type="title"/>
-          </p:nvPr>
-        </p:nvSpPr>
-        <p:spPr/>
-        <p:txBody>
-          <a:bodyPr/>
-          <a:lstStyle/>
-          <a:p>
-            <a:r>
-              <a:rPr lang="en-US" dirty="0" err="1" smtClean="0"/>
-              <a:t>Vad</a:t>
-            </a:r>
-            <a:r>
-              <a:rPr lang="en-US" dirty="0" smtClean="0"/>
-              <a:t> </a:t>
-            </a:r>
-            <a:r>
-              <a:rPr lang="en-US" dirty="0" err="1" smtClean="0"/>
-              <a:t>har</a:t>
-            </a:r>
-            <a:r>
-              <a:rPr lang="en-US" dirty="0" smtClean="0"/>
-              <a:t> vi </a:t>
-            </a:r>
-            <a:r>
-              <a:rPr lang="en-US" dirty="0" err="1" smtClean="0"/>
-              <a:t>lärt</a:t>
-            </a:r>
-            <a:r>
-              <a:rPr lang="en-US" dirty="0" smtClean="0"/>
-              <a:t> </a:t>
-            </a:r>
-            <a:r>
-              <a:rPr lang="en-US" dirty="0" err="1" smtClean="0"/>
-              <a:t>oss</a:t>
-            </a:r>
-            <a:r>
-              <a:rPr lang="en-US" dirty="0" smtClean="0"/>
-              <a:t>?</a:t>
-            </a:r>
-            <a:endParaRPr lang="en-US" dirty="0"/>
-          </a:p>
-        </p:txBody>
-      </p:sp>
-      <p:sp>
-        <p:nvSpPr>
-          <p:cNvPr id="3" name="Content Placeholder 2"/>
-          <p:cNvSpPr>
-            <a:spLocks noGrp="1"/>
-          </p:cNvSpPr>
-          <p:nvPr>
-            <p:ph idx="1"/>
-          </p:nvPr>
-        </p:nvSpPr>
-        <p:spPr/>
-        <p:txBody>
-          <a:bodyPr/>
-          <a:lstStyle/>
-          <a:p>
-            <a:r>
-              <a:rPr lang="en-US" dirty="0" err="1" smtClean="0"/>
-              <a:t>Det</a:t>
-            </a:r>
-            <a:r>
-              <a:rPr lang="en-US" dirty="0" smtClean="0"/>
-              <a:t> </a:t>
-            </a:r>
-            <a:r>
-              <a:rPr lang="en-US" dirty="0" err="1" smtClean="0"/>
-              <a:t>lönar</a:t>
-            </a:r>
-            <a:r>
-              <a:rPr lang="en-US" dirty="0" smtClean="0"/>
-              <a:t> sig </a:t>
-            </a:r>
-            <a:r>
-              <a:rPr lang="en-US" dirty="0" err="1" smtClean="0"/>
-              <a:t>att</a:t>
-            </a:r>
-            <a:r>
-              <a:rPr lang="en-US" dirty="0" smtClean="0"/>
-              <a:t> </a:t>
-            </a:r>
-            <a:r>
-              <a:rPr lang="en-US" dirty="0" err="1" smtClean="0"/>
-              <a:t>planera</a:t>
-            </a:r>
-            <a:endParaRPr lang="en-US" dirty="0" smtClean="0"/>
-          </a:p>
-          <a:p>
-            <a:r>
-              <a:rPr lang="en-US" dirty="0" err="1" smtClean="0"/>
-              <a:t>Planera</a:t>
-            </a:r>
-            <a:r>
-              <a:rPr lang="en-US" dirty="0" smtClean="0"/>
-              <a:t> </a:t>
-            </a:r>
-            <a:r>
-              <a:rPr lang="en-US" dirty="0" err="1" smtClean="0"/>
-              <a:t>så</a:t>
-            </a:r>
-            <a:r>
-              <a:rPr lang="en-US" dirty="0" smtClean="0"/>
-              <a:t> </a:t>
-            </a:r>
-            <a:r>
-              <a:rPr lang="en-US" dirty="0" err="1" smtClean="0"/>
-              <a:t>att</a:t>
-            </a:r>
-            <a:r>
-              <a:rPr lang="en-US" dirty="0" smtClean="0"/>
-              <a:t> </a:t>
-            </a:r>
-            <a:r>
-              <a:rPr lang="en-US" dirty="0" err="1" smtClean="0"/>
-              <a:t>flaskhalsar</a:t>
-            </a:r>
-            <a:r>
-              <a:rPr lang="en-US" dirty="0" smtClean="0"/>
-              <a:t> </a:t>
-            </a:r>
-            <a:r>
-              <a:rPr lang="en-US" dirty="0" err="1" smtClean="0"/>
-              <a:t>undviks</a:t>
-            </a:r>
-            <a:endParaRPr lang="en-US" dirty="0" smtClean="0"/>
-          </a:p>
-          <a:p>
-            <a:r>
-              <a:rPr lang="en-US" dirty="0" err="1" smtClean="0"/>
-              <a:t>Jobba</a:t>
-            </a:r>
-            <a:r>
-              <a:rPr lang="en-US" dirty="0" smtClean="0"/>
-              <a:t> </a:t>
-            </a:r>
-            <a:r>
-              <a:rPr lang="en-US" dirty="0" err="1" smtClean="0"/>
-              <a:t>så</a:t>
-            </a:r>
-            <a:r>
-              <a:rPr lang="en-US" dirty="0" smtClean="0"/>
-              <a:t> </a:t>
-            </a:r>
-            <a:r>
-              <a:rPr lang="en-US" dirty="0" err="1" smtClean="0"/>
-              <a:t>parallellt</a:t>
-            </a:r>
-            <a:r>
-              <a:rPr lang="en-US" dirty="0" smtClean="0"/>
-              <a:t> </a:t>
-            </a:r>
-            <a:r>
-              <a:rPr lang="en-US" dirty="0" err="1" smtClean="0"/>
-              <a:t>det</a:t>
-            </a:r>
-            <a:r>
-              <a:rPr lang="en-US" dirty="0" smtClean="0"/>
-              <a:t> </a:t>
-            </a:r>
-            <a:r>
-              <a:rPr lang="en-US" dirty="0" err="1" smtClean="0"/>
-              <a:t>går</a:t>
-            </a:r>
-            <a:r>
-              <a:rPr lang="en-US" dirty="0" smtClean="0"/>
-              <a:t> I </a:t>
-            </a:r>
-            <a:r>
-              <a:rPr lang="en-US" dirty="0" err="1" smtClean="0"/>
-              <a:t>början</a:t>
-            </a:r>
-            <a:r>
-              <a:rPr lang="en-US" dirty="0" smtClean="0"/>
-              <a:t> </a:t>
-            </a:r>
-          </a:p>
-          <a:p>
-            <a:r>
-              <a:rPr lang="en-US" dirty="0" err="1" smtClean="0"/>
-              <a:t>Lagom</a:t>
-            </a:r>
-            <a:r>
-              <a:rPr lang="en-US" dirty="0" smtClean="0"/>
-              <a:t> </a:t>
-            </a:r>
-            <a:r>
-              <a:rPr lang="en-US" dirty="0" err="1" smtClean="0"/>
-              <a:t>långa</a:t>
-            </a:r>
-            <a:r>
-              <a:rPr lang="en-US" dirty="0" smtClean="0"/>
-              <a:t> </a:t>
-            </a:r>
-            <a:r>
-              <a:rPr lang="en-US" dirty="0" err="1" smtClean="0"/>
-              <a:t>arbetspass</a:t>
-            </a:r>
-            <a:endParaRPr lang="en-US" dirty="0" smtClean="0"/>
-          </a:p>
-          <a:p>
-            <a:r>
-              <a:rPr lang="en-US" dirty="0" smtClean="0"/>
-              <a:t> </a:t>
-            </a:r>
-            <a:r>
-              <a:rPr lang="en-US" dirty="0" err="1" smtClean="0"/>
-              <a:t>Vira</a:t>
-            </a:r>
-            <a:r>
-              <a:rPr lang="en-US" dirty="0" smtClean="0"/>
-              <a:t> </a:t>
-            </a:r>
-            <a:r>
-              <a:rPr lang="en-US" dirty="0" err="1" smtClean="0"/>
-              <a:t>ordentligt</a:t>
-            </a:r>
-            <a:endParaRPr lang="en-US" dirty="0" smtClean="0"/>
-          </a:p>
-          <a:p>
-            <a:r>
-              <a:rPr lang="en-US" dirty="0" err="1" smtClean="0"/>
-              <a:t>Skriv</a:t>
-            </a:r>
-            <a:r>
-              <a:rPr lang="en-US" dirty="0" smtClean="0"/>
-              <a:t> </a:t>
-            </a:r>
-            <a:r>
-              <a:rPr lang="en-US" dirty="0" err="1" smtClean="0"/>
-              <a:t>ordentlig</a:t>
-            </a:r>
-            <a:r>
-              <a:rPr lang="en-US" dirty="0" smtClean="0"/>
-              <a:t> </a:t>
-            </a:r>
-            <a:r>
-              <a:rPr lang="en-US" dirty="0" err="1" smtClean="0"/>
-              <a:t>kod</a:t>
-            </a:r>
-            <a:endParaRPr lang="en-US" dirty="0" smtClean="0"/>
-          </a:p>
-          <a:p>
-            <a:r>
-              <a:rPr lang="en-US" dirty="0" err="1" smtClean="0"/>
-              <a:t>Inse</a:t>
-            </a:r>
-            <a:r>
-              <a:rPr lang="en-US" dirty="0" smtClean="0"/>
-              <a:t> </a:t>
-            </a:r>
-            <a:r>
-              <a:rPr lang="en-US" dirty="0" err="1" smtClean="0"/>
-              <a:t>att</a:t>
-            </a:r>
-            <a:r>
-              <a:rPr lang="en-US" dirty="0" smtClean="0"/>
-              <a:t> </a:t>
-            </a:r>
-            <a:r>
-              <a:rPr lang="en-US" dirty="0" err="1" smtClean="0"/>
-              <a:t>idéer</a:t>
-            </a:r>
-            <a:r>
-              <a:rPr lang="en-US" dirty="0" smtClean="0"/>
-              <a:t> </a:t>
-            </a:r>
-            <a:r>
-              <a:rPr lang="en-US" dirty="0" err="1" smtClean="0"/>
-              <a:t>kan</a:t>
-            </a:r>
-            <a:r>
-              <a:rPr lang="en-US" dirty="0" smtClean="0"/>
-              <a:t> </a:t>
-            </a:r>
-            <a:r>
-              <a:rPr lang="en-US" dirty="0" err="1" smtClean="0"/>
-              <a:t>behöva</a:t>
-            </a:r>
-            <a:r>
-              <a:rPr lang="en-US" dirty="0" smtClean="0"/>
-              <a:t> </a:t>
-            </a:r>
-            <a:r>
-              <a:rPr lang="en-US" dirty="0" err="1" smtClean="0"/>
-              <a:t>ändras</a:t>
-            </a:r>
-            <a:r>
-              <a:rPr lang="en-US" dirty="0" smtClean="0"/>
-              <a:t> </a:t>
-            </a:r>
-            <a:r>
-              <a:rPr lang="en-US" dirty="0" err="1" smtClean="0"/>
-              <a:t>även</a:t>
-            </a:r>
-            <a:r>
-              <a:rPr lang="en-US" dirty="0" smtClean="0"/>
-              <a:t> </a:t>
-            </a:r>
-            <a:r>
-              <a:rPr lang="en-US" dirty="0" err="1" smtClean="0"/>
-              <a:t>om</a:t>
-            </a:r>
-            <a:r>
-              <a:rPr lang="en-US" dirty="0" smtClean="0"/>
-              <a:t> de </a:t>
-            </a:r>
-            <a:r>
-              <a:rPr lang="en-US" dirty="0" err="1" smtClean="0"/>
-              <a:t>verkar</a:t>
-            </a:r>
-            <a:r>
-              <a:rPr lang="en-US" dirty="0" smtClean="0"/>
-              <a:t> bra</a:t>
-            </a:r>
-          </a:p>
-        </p:txBody>
-      </p:sp>
-    </p:spTree>
-  </p:cSld>
-  <p:clrMapOvr>
-    <a:masterClrMapping/>
-  </p:clrMapOvr>
-  <p:timing>
-    <p:tnLst>
-      <p:par>
-        <p:cTn id="1" dur="indefinite" restart="never" nodeType="tmRoot"/>
-      </p:par>
-    </p:tnLst>
-  </p:timing>
-</p:sld>
-</file>
-
-<file path=ppt/slides/slide29.xml><?xml version="1.0" encoding="utf-8"?>
-<p:sld xmlns:a="http://schemas.openxmlformats.org/drawingml/2006/main" xmlns:r="http://schemas.openxmlformats.org/officeDocument/2006/relationships" xmlns:p="http://schemas.openxmlformats.org/presentationml/2006/main">
-  <p:cSld>
-    <p:spTree>
-      <p:nvGrpSpPr>
-        <p:cNvPr id="1" name=""/>
-        <p:cNvGrpSpPr/>
-        <p:nvPr/>
-      </p:nvGrpSpPr>
-      <p:grpSpPr>
-        <a:xfrm>
-          <a:off x="0" y="0"/>
-          <a:ext cx="0" cy="0"/>
-          <a:chOff x="0" y="0"/>
-          <a:chExt cx="0" cy="0"/>
-        </a:xfrm>
-      </p:grpSpPr>
-      <p:sp>
-        <p:nvSpPr>
-          <p:cNvPr id="5" name="Subtitle 4"/>
-          <p:cNvSpPr>
-            <a:spLocks noGrp="1"/>
-          </p:cNvSpPr>
-          <p:nvPr>
-            <p:ph type="subTitle" idx="1"/>
-          </p:nvPr>
-        </p:nvSpPr>
-        <p:spPr/>
-        <p:txBody>
-          <a:bodyPr/>
-          <a:lstStyle/>
-          <a:p>
-            <a:endParaRPr lang="en-US"/>
-          </a:p>
-        </p:txBody>
-      </p:sp>
-      <p:pic>
-        <p:nvPicPr>
-          <p:cNvPr id="7" name="Picture 6" descr="Bild 5.JPG"/>
-          <p:cNvPicPr>
-            <a:picLocks noChangeAspect="1"/>
-          </p:cNvPicPr>
-          <p:nvPr/>
-        </p:nvPicPr>
-        <p:blipFill>
-          <a:blip r:embed="rId2" cstate="print"/>
-          <a:stretch>
-            <a:fillRect/>
-          </a:stretch>
-        </p:blipFill>
-        <p:spPr>
-          <a:xfrm>
-            <a:off x="0" y="0"/>
-            <a:ext cx="9144000" cy="6858000"/>
-          </a:xfrm>
-          <a:prstGeom prst="rect">
-            <a:avLst/>
-          </a:prstGeom>
-        </p:spPr>
-      </p:pic>
-      <p:sp>
-        <p:nvSpPr>
-          <p:cNvPr id="8" name="Title 1"/>
-          <p:cNvSpPr>
-            <a:spLocks noGrp="1"/>
-          </p:cNvSpPr>
-          <p:nvPr>
-            <p:ph type="ctrTitle"/>
-          </p:nvPr>
-        </p:nvSpPr>
-        <p:spPr>
-          <a:xfrm>
-            <a:off x="3276600" y="5486400"/>
-            <a:ext cx="2438400" cy="835025"/>
-          </a:xfrm>
-          <a:solidFill>
-            <a:schemeClr val="bg1">
-              <a:lumMod val="65000"/>
-              <a:alpha val="81000"/>
-            </a:schemeClr>
-          </a:solidFill>
-        </p:spPr>
-        <p:txBody>
-          <a:bodyPr>
-            <a:normAutofit/>
-          </a:bodyPr>
-          <a:lstStyle/>
-          <a:p>
-            <a:pPr algn="ctr"/>
-            <a:r>
-              <a:rPr lang="en-US" dirty="0" err="1" smtClean="0"/>
-              <a:t>Frågor</a:t>
-            </a:r>
-            <a:r>
-              <a:rPr lang="en-US" dirty="0" smtClean="0"/>
-              <a:t>?</a:t>
-            </a:r>
-            <a:endParaRPr lang="en-US" sz="3600" dirty="0"/>
           </a:p>
         </p:txBody>
       </p:sp>
@@ -7822,12 +4566,14 @@
         </p:nvSpPr>
         <p:spPr/>
         <p:txBody>
-          <a:bodyPr/>
+          <a:bodyPr>
+            <a:normAutofit/>
+          </a:bodyPr>
           <a:lstStyle/>
           <a:p>
             <a:r>
               <a:rPr lang="en-US" dirty="0" smtClean="0"/>
-              <a:t>One single class</a:t>
+              <a:t>One object class representing both items and Planets.</a:t>
             </a:r>
             <a:endParaRPr lang="en-US" dirty="0"/>
           </a:p>
@@ -7898,45 +4644,21 @@
           <a:p>
             <a:pPr lvl="1"/>
             <a:r>
-              <a:rPr lang="sv-SE" dirty="0" err="1"/>
-              <a:t>Allows</a:t>
-            </a:r>
-            <a:r>
               <a:rPr lang="sv-SE" dirty="0"/>
-              <a:t> for an </a:t>
-            </a:r>
-            <a:r>
-              <a:rPr lang="sv-SE" dirty="0" err="1"/>
-              <a:t>arbitrary</a:t>
-            </a:r>
-            <a:r>
-              <a:rPr lang="sv-SE" dirty="0"/>
-              <a:t> </a:t>
-            </a:r>
-            <a:r>
-              <a:rPr lang="sv-SE" dirty="0" err="1"/>
-              <a:t>number</a:t>
-            </a:r>
-            <a:r>
-              <a:rPr lang="sv-SE" dirty="0"/>
-              <a:t> </a:t>
-            </a:r>
-            <a:r>
-              <a:rPr lang="sv-SE" dirty="0" err="1"/>
-              <a:t>of</a:t>
-            </a:r>
-            <a:r>
-              <a:rPr lang="sv-SE" dirty="0"/>
-              <a:t> </a:t>
-            </a:r>
-            <a:r>
-              <a:rPr lang="sv-SE" dirty="0" err="1"/>
-              <a:t>satellites</a:t>
-            </a:r>
-            <a:r>
-              <a:rPr lang="sv-SE" dirty="0"/>
+              <a:t>Allows for an arbitrary number of satellites</a:t>
+            </a:r>
+            <a:r>
+              <a:rPr lang="sv-SE" dirty="0" smtClean="0"/>
               <a:t>.</a:t>
             </a:r>
+          </a:p>
+          <a:p>
+            <a:pPr lvl="1"/>
+            <a:r>
+              <a:rPr lang="sv-SE" dirty="0" smtClean="0"/>
+              <a:t>Allows for easy access to all information needed.</a:t>
+            </a:r>
+            <a:endParaRPr lang="sv-SE" dirty="0"/>
           </a:p>
           <a:p>
             <a:endParaRPr lang="en-US" dirty="0"/>
@@ -8059,17 +4781,18 @@
             <a:endParaRPr lang="en-US" dirty="0" smtClean="0"/>
           </a:p>
           <a:p>
-            <a:endParaRPr lang="en-US" dirty="0"/>
-          </a:p>
-          <a:p>
-            <a:endParaRPr lang="en-US" dirty="0" smtClean="0"/>
-          </a:p>
-          <a:p>
-            <a:r>
-              <a:rPr lang="en-US" dirty="0" smtClean="0"/>
-              <a:t>Can be toggled to affect the Camera</a:t>
-            </a:r>
-            <a:endParaRPr lang="en-US" dirty="0"/>
+            <a:r>
+              <a:rPr lang="en-US" dirty="0"/>
+              <a:t>Can be toggled to affect the Camera as well.</a:t>
+            </a:r>
+          </a:p>
+          <a:p>
+            <a:pPr lvl="1"/>
+            <a:r>
+              <a:rPr lang="sv-SE" smtClean="0"/>
+              <a:t>Use with caution!</a:t>
+            </a:r>
+            <a:endParaRPr lang="sv-SE" dirty="0"/>
           </a:p>
           <a:p>
             <a:endParaRPr lang="en-US" dirty="0"/>
@@ -8160,8 +4883,20 @@
           <a:p>
             <a:pPr lvl="1"/>
             <a:r>
+              <a:rPr lang="sv-SE" dirty="0" smtClean="0"/>
+              <a:t>Un-optimized</a:t>
+            </a:r>
+            <a:endParaRPr lang="sv-SE" dirty="0"/>
+          </a:p>
+          <a:p>
+            <a:pPr lvl="1"/>
+            <a:r>
+              <a:rPr lang="sv-SE" dirty="0"/>
+              <a:t>Check all </a:t>
+            </a:r>
+            <a:r>
               <a:rPr lang="sv-SE" dirty="0" err="1"/>
-              <a:t>Highly</a:t>
+              <a:t>items</a:t>
             </a:r>
             <a:r>
               <a:rPr lang="sv-SE" dirty="0"/>
@@ -8169,41 +4904,21 @@
             </a:r>
             <a:r>
               <a:rPr lang="sv-SE" dirty="0" err="1"/>
-              <a:t>un-optimized</a:t>
-            </a:r>
-            <a:endParaRPr lang="sv-SE" dirty="0"/>
-          </a:p>
-          <a:p>
-            <a:pPr lvl="1"/>
+              <a:t>against</a:t>
+            </a:r>
             <a:r>
               <a:rPr lang="sv-SE" dirty="0"/>
-              <a:t>Check all </a:t>
+              <a:t> all planets and </a:t>
             </a:r>
             <a:r>
               <a:rPr lang="sv-SE" dirty="0" err="1"/>
-              <a:t>items</a:t>
+              <a:t>other</a:t>
             </a:r>
             <a:r>
               <a:rPr lang="sv-SE" dirty="0"/>
               <a:t> </a:t>
             </a:r>
             <a:r>
-              <a:rPr lang="sv-SE" dirty="0" err="1"/>
-              <a:t>against</a:t>
-            </a:r>
-            <a:r>
-              <a:rPr lang="sv-SE" dirty="0"/>
-              <a:t> all planets and </a:t>
-            </a:r>
-            <a:r>
-              <a:rPr lang="sv-SE" dirty="0" err="1"/>
-              <a:t>other</a:t>
-            </a:r>
-            <a:r>
-              <a:rPr lang="sv-SE" dirty="0"/>
-              <a:t> </a:t>
-            </a:r>
-            <a:r>
               <a:rPr lang="sv-SE" dirty="0" err="1" smtClean="0"/>
               <a:t>items</a:t>
             </a:r>
@@ -8213,55 +4928,17 @@
             <a:pPr lvl="1"/>
             <a:r>
               <a:rPr lang="sv-SE" dirty="0" smtClean="0"/>
-              <a:t>Still </a:t>
-            </a:r>
-            <a:r>
-              <a:rPr lang="sv-SE" dirty="0" err="1" smtClean="0"/>
-              <a:t>able</a:t>
+              <a:t>Still able handle up to 100 </a:t>
             </a:r>
             <a:r>
               <a:rPr lang="sv-SE" dirty="0" smtClean="0"/>
-              <a:t> </a:t>
-            </a:r>
-            <a:r>
-              <a:rPr lang="sv-SE" dirty="0" err="1" smtClean="0"/>
-              <a:t>handle</a:t>
-            </a:r>
-            <a:r>
-              <a:rPr lang="sv-SE" dirty="0" smtClean="0"/>
-              <a:t> </a:t>
-            </a:r>
-            <a:r>
-              <a:rPr lang="sv-SE" dirty="0" err="1" smtClean="0"/>
-              <a:t>up</a:t>
-            </a:r>
-            <a:r>
-              <a:rPr lang="sv-SE" dirty="0" smtClean="0"/>
-              <a:t> </a:t>
-            </a:r>
-            <a:r>
-              <a:rPr lang="sv-SE" dirty="0" err="1" smtClean="0"/>
-              <a:t>to</a:t>
-            </a:r>
-            <a:r>
-              <a:rPr lang="sv-SE" dirty="0" smtClean="0"/>
-              <a:t> 100 </a:t>
-            </a:r>
-            <a:r>
-              <a:rPr lang="sv-SE" dirty="0" err="1" smtClean="0"/>
-              <a:t>items</a:t>
+              <a:t>items without significant FPS drop</a:t>
             </a:r>
             <a:endParaRPr lang="sv-SE" dirty="0"/>
           </a:p>
           <a:p>
             <a:pPr lvl="1"/>
             <a:endParaRPr lang="sv-SE" dirty="0"/>
-          </a:p>
-          <a:p>
-            <a:r>
-              <a:rPr lang="en-US" dirty="0"/>
-              <a:t>Friction free spherical collision</a:t>
-            </a:r>
           </a:p>
           <a:p>
             <a:endParaRPr lang="en-US" dirty="0"/>
@@ -8590,7 +5267,6 @@
               <a:rPr lang="en-US" dirty="0" smtClean="0"/>
               <a:t> desires. </a:t>
             </a:r>
-            <a:endParaRPr lang="en-US" dirty="0" smtClean="0"/>
           </a:p>
           <a:p>
             <a:pPr marL="118872" indent="0">

--- a/Documentation/Presentation TSBK07 CMS.pptx
+++ b/Documentation/Presentation TSBK07 CMS.pptx
@@ -11,13 +11,13 @@
     <p:sldId id="256" r:id="rId2"/>
     <p:sldId id="259" r:id="rId3"/>
     <p:sldId id="260" r:id="rId4"/>
-    <p:sldId id="293" r:id="rId5"/>
-    <p:sldId id="271" r:id="rId6"/>
-    <p:sldId id="291" r:id="rId7"/>
-    <p:sldId id="270" r:id="rId8"/>
-    <p:sldId id="294" r:id="rId9"/>
-    <p:sldId id="295" r:id="rId10"/>
-    <p:sldId id="296" r:id="rId11"/>
+    <p:sldId id="294" r:id="rId5"/>
+    <p:sldId id="295" r:id="rId6"/>
+    <p:sldId id="296" r:id="rId7"/>
+    <p:sldId id="293" r:id="rId8"/>
+    <p:sldId id="271" r:id="rId9"/>
+    <p:sldId id="291" r:id="rId10"/>
+    <p:sldId id="270" r:id="rId11"/>
   </p:sldIdLst>
   <p:sldSz cx="9144000" cy="6858000" type="screen4x3"/>
   <p:notesSz cx="6858000" cy="9144000"/>
@@ -201,7 +201,7 @@
           <a:p>
             <a:fld id="{2D3CB711-9C12-4B13-9C7A-61DE322E86FC}" type="datetimeFigureOut">
               <a:rPr lang="sv-SE" smtClean="0"/>
-              <a:t>2013-05-15</a:t>
+              <a:t>2013-05-16</a:t>
             </a:fld>
             <a:endParaRPr lang="sv-SE"/>
           </a:p>
@@ -528,7 +528,7 @@
             <a:fld id="{8C5ACF3F-8D59-47DC-851F-E1BB6DFB0347}" type="datetimeFigureOut">
               <a:rPr lang="en-US" smtClean="0"/>
               <a:pPr/>
-              <a:t>5/15/2013</a:t>
+              <a:t>5/16/2013</a:t>
             </a:fld>
             <a:endParaRPr lang="en-US"/>
           </a:p>
@@ -753,7 +753,7 @@
             <a:fld id="{8C5ACF3F-8D59-47DC-851F-E1BB6DFB0347}" type="datetimeFigureOut">
               <a:rPr lang="en-US" smtClean="0"/>
               <a:pPr/>
-              <a:t>5/15/2013</a:t>
+              <a:t>5/16/2013</a:t>
             </a:fld>
             <a:endParaRPr lang="en-US"/>
           </a:p>
@@ -1035,7 +1035,7 @@
             <a:fld id="{8C5ACF3F-8D59-47DC-851F-E1BB6DFB0347}" type="datetimeFigureOut">
               <a:rPr lang="en-US" smtClean="0"/>
               <a:pPr/>
-              <a:t>5/15/2013</a:t>
+              <a:t>5/16/2013</a:t>
             </a:fld>
             <a:endParaRPr lang="en-US"/>
           </a:p>
@@ -1216,7 +1216,7 @@
             <a:fld id="{8C5ACF3F-8D59-47DC-851F-E1BB6DFB0347}" type="datetimeFigureOut">
               <a:rPr lang="en-US" smtClean="0"/>
               <a:pPr/>
-              <a:t>5/15/2013</a:t>
+              <a:t>5/16/2013</a:t>
             </a:fld>
             <a:endParaRPr lang="en-US"/>
           </a:p>
@@ -1571,7 +1571,7 @@
             <a:fld id="{8C5ACF3F-8D59-47DC-851F-E1BB6DFB0347}" type="datetimeFigureOut">
               <a:rPr lang="en-US" smtClean="0"/>
               <a:pPr/>
-              <a:t>5/15/2013</a:t>
+              <a:t>5/16/2013</a:t>
             </a:fld>
             <a:endParaRPr lang="en-US"/>
           </a:p>
@@ -1860,7 +1860,7 @@
             <a:fld id="{8C5ACF3F-8D59-47DC-851F-E1BB6DFB0347}" type="datetimeFigureOut">
               <a:rPr lang="en-US" smtClean="0"/>
               <a:pPr/>
-              <a:t>5/15/2013</a:t>
+              <a:t>5/16/2013</a:t>
             </a:fld>
             <a:endParaRPr lang="en-US"/>
           </a:p>
@@ -2284,7 +2284,7 @@
             <a:fld id="{8C5ACF3F-8D59-47DC-851F-E1BB6DFB0347}" type="datetimeFigureOut">
               <a:rPr lang="en-US" smtClean="0"/>
               <a:pPr/>
-              <a:t>5/15/2013</a:t>
+              <a:t>5/16/2013</a:t>
             </a:fld>
             <a:endParaRPr lang="en-US"/>
           </a:p>
@@ -2401,7 +2401,7 @@
             <a:fld id="{8C5ACF3F-8D59-47DC-851F-E1BB6DFB0347}" type="datetimeFigureOut">
               <a:rPr lang="en-US" smtClean="0"/>
               <a:pPr/>
-              <a:t>5/15/2013</a:t>
+              <a:t>5/16/2013</a:t>
             </a:fld>
             <a:endParaRPr lang="en-US"/>
           </a:p>
@@ -2493,7 +2493,7 @@
             <a:fld id="{8C5ACF3F-8D59-47DC-851F-E1BB6DFB0347}" type="datetimeFigureOut">
               <a:rPr lang="en-US" smtClean="0"/>
               <a:pPr/>
-              <a:t>5/15/2013</a:t>
+              <a:t>5/16/2013</a:t>
             </a:fld>
             <a:endParaRPr lang="en-US"/>
           </a:p>
@@ -2773,7 +2773,7 @@
             <a:fld id="{8C5ACF3F-8D59-47DC-851F-E1BB6DFB0347}" type="datetimeFigureOut">
               <a:rPr lang="en-US" smtClean="0"/>
               <a:pPr/>
-              <a:t>5/15/2013</a:t>
+              <a:t>5/16/2013</a:t>
             </a:fld>
             <a:endParaRPr lang="en-US"/>
           </a:p>
@@ -3136,7 +3136,7 @@
             <a:fld id="{8C5ACF3F-8D59-47DC-851F-E1BB6DFB0347}" type="datetimeFigureOut">
               <a:rPr lang="en-US" smtClean="0"/>
               <a:pPr/>
-              <a:t>5/15/2013</a:t>
+              <a:t>5/16/2013</a:t>
             </a:fld>
             <a:endParaRPr lang="en-US"/>
           </a:p>
@@ -3592,7 +3592,7 @@
             <a:fld id="{8C5ACF3F-8D59-47DC-851F-E1BB6DFB0347}" type="datetimeFigureOut">
               <a:rPr lang="en-US" smtClean="0"/>
               <a:pPr/>
-              <a:t>5/15/2013</a:t>
+              <a:t>5/16/2013</a:t>
             </a:fld>
             <a:endParaRPr lang="en-US"/>
           </a:p>
@@ -4133,7 +4133,7 @@
           <a:p>
             <a:r>
               <a:rPr lang="en-US" dirty="0" smtClean="0"/>
-              <a:t>Shadows</a:t>
+              <a:t>Editor</a:t>
             </a:r>
             <a:endParaRPr lang="en-US" dirty="0"/>
           </a:p>
@@ -4152,67 +4152,144 @@
         <p:spPr/>
         <p:txBody>
           <a:bodyPr>
-            <a:normAutofit/>
+            <a:normAutofit lnSpcReduction="10000"/>
           </a:bodyPr>
           <a:lstStyle/>
           <a:p>
+            <a:r>
+              <a:rPr lang="en-US" dirty="0" smtClean="0"/>
+              <a:t>Great user friendly console </a:t>
+            </a:r>
+            <a:r>
+              <a:rPr lang="en-US" dirty="0" smtClean="0"/>
+              <a:t>menus with only a few unintended features</a:t>
+            </a:r>
             <a:endParaRPr lang="en-US" dirty="0" smtClean="0"/>
           </a:p>
           <a:p>
             <a:r>
               <a:rPr lang="en-US" dirty="0" smtClean="0"/>
-              <a:t>All planets cast shadows in real time</a:t>
-            </a:r>
-          </a:p>
-          <a:p>
-            <a:endParaRPr lang="en-US" dirty="0"/>
-          </a:p>
-          <a:p>
+              <a:t>Planet </a:t>
+            </a:r>
+            <a:r>
+              <a:rPr lang="en-US" dirty="0"/>
+              <a:t>creation</a:t>
+            </a:r>
+          </a:p>
+          <a:p>
+            <a:pPr lvl="1"/>
+            <a:r>
+              <a:rPr lang="sv-SE" dirty="0" smtClean="0"/>
+              <a:t>Pick </a:t>
+            </a:r>
+            <a:r>
+              <a:rPr lang="sv-SE" dirty="0" err="1" smtClean="0"/>
+              <a:t>your</a:t>
+            </a:r>
+            <a:r>
+              <a:rPr lang="sv-SE" dirty="0" smtClean="0"/>
+              <a:t> </a:t>
+            </a:r>
+            <a:r>
+              <a:rPr lang="sv-SE" dirty="0" err="1" smtClean="0"/>
+              <a:t>own</a:t>
+            </a:r>
+            <a:r>
+              <a:rPr lang="sv-SE" dirty="0" smtClean="0"/>
+              <a:t> </a:t>
+            </a:r>
+            <a:r>
+              <a:rPr lang="sv-SE" dirty="0" err="1" smtClean="0"/>
+              <a:t>textures</a:t>
+            </a:r>
+            <a:endParaRPr lang="sv-SE" dirty="0" smtClean="0"/>
+          </a:p>
+          <a:p>
+            <a:pPr lvl="1"/>
+            <a:r>
+              <a:rPr lang="sv-SE" dirty="0" smtClean="0"/>
+              <a:t>Pick normal </a:t>
+            </a:r>
+            <a:r>
+              <a:rPr lang="sv-SE" dirty="0" err="1" smtClean="0"/>
+              <a:t>maps</a:t>
+            </a:r>
+            <a:endParaRPr lang="sv-SE" dirty="0" smtClean="0"/>
+          </a:p>
+          <a:p>
+            <a:pPr lvl="1"/>
+            <a:r>
+              <a:rPr lang="sv-SE" dirty="0" smtClean="0"/>
+              <a:t>Set </a:t>
+            </a:r>
+            <a:r>
+              <a:rPr lang="sv-SE" dirty="0" err="1" smtClean="0"/>
+              <a:t>shading</a:t>
+            </a:r>
+            <a:r>
+              <a:rPr lang="sv-SE" dirty="0" smtClean="0"/>
+              <a:t> parameters</a:t>
+            </a:r>
+          </a:p>
+          <a:p>
+            <a:pPr lvl="1"/>
+            <a:r>
+              <a:rPr lang="sv-SE" dirty="0" err="1" smtClean="0"/>
+              <a:t>Add</a:t>
+            </a:r>
+            <a:r>
+              <a:rPr lang="sv-SE" dirty="0" smtClean="0"/>
+              <a:t> </a:t>
+            </a:r>
+            <a:r>
+              <a:rPr lang="sv-SE" dirty="0" err="1" smtClean="0"/>
+              <a:t>satellite</a:t>
+            </a:r>
+            <a:r>
+              <a:rPr lang="sv-SE" dirty="0" smtClean="0"/>
+              <a:t> </a:t>
+            </a:r>
+            <a:r>
+              <a:rPr lang="sv-SE" dirty="0" err="1" smtClean="0"/>
+              <a:t>to</a:t>
+            </a:r>
+            <a:r>
+              <a:rPr lang="sv-SE" dirty="0" smtClean="0"/>
+              <a:t> existing planet</a:t>
+            </a:r>
             <a:endParaRPr lang="en-US" dirty="0" smtClean="0"/>
           </a:p>
           <a:p>
             <a:r>
-              <a:rPr lang="en-US" dirty="0" smtClean="0"/>
-              <a:t>Shadows are generated using </a:t>
-            </a:r>
-            <a:r>
-              <a:rPr lang="en-US" dirty="0" err="1" smtClean="0"/>
-              <a:t>raycasting</a:t>
-            </a:r>
-            <a:r>
-              <a:rPr lang="en-US" dirty="0" smtClean="0"/>
-              <a:t> calculated with </a:t>
-            </a:r>
-            <a:r>
-              <a:rPr lang="en-US" dirty="0" err="1" smtClean="0"/>
-              <a:t>Plücker</a:t>
-            </a:r>
-            <a:r>
-              <a:rPr lang="en-US" dirty="0" smtClean="0"/>
-              <a:t> coordinates.</a:t>
-            </a:r>
-            <a:endParaRPr lang="en-US" dirty="0"/>
-          </a:p>
-          <a:p>
+              <a:rPr lang="en-US" dirty="0"/>
+              <a:t>Planet presets</a:t>
+            </a:r>
+          </a:p>
+          <a:p>
+            <a:pPr lvl="1"/>
+            <a:r>
+              <a:rPr lang="sv-SE" dirty="0" smtClean="0"/>
+              <a:t>The </a:t>
+            </a:r>
+            <a:r>
+              <a:rPr lang="sv-SE" dirty="0" err="1" smtClean="0"/>
+              <a:t>whole</a:t>
+            </a:r>
+            <a:r>
+              <a:rPr lang="sv-SE" dirty="0" smtClean="0"/>
+              <a:t> solar system</a:t>
+            </a:r>
+            <a:endParaRPr lang="sv-SE" dirty="0"/>
+          </a:p>
+          <a:p>
+            <a:pPr marL="118872" indent="0">
+              <a:buNone/>
+            </a:pPr>
             <a:endParaRPr lang="en-US" dirty="0" smtClean="0"/>
           </a:p>
-          <a:p>
-            <a:endParaRPr lang="en-US" dirty="0" smtClean="0"/>
-          </a:p>
-          <a:p>
-            <a:endParaRPr lang="en-US" dirty="0" smtClean="0"/>
-          </a:p>
-          <a:p>
-            <a:endParaRPr lang="en-US" dirty="0"/>
-          </a:p>
         </p:txBody>
       </p:sp>
     </p:spTree>
-    <p:extLst>
-      <p:ext uri="{BB962C8B-B14F-4D97-AF65-F5344CB8AC3E}">
-        <p14:creationId xmlns:p14="http://schemas.microsoft.com/office/powerpoint/2010/main" val="2628971675"/>
-      </p:ext>
-    </p:extLst>
   </p:cSld>
   <p:clrMapOvr>
     <a:masterClrMapping/>
@@ -4541,140 +4618,114 @@
         </p:nvSpPr>
         <p:spPr/>
         <p:txBody>
+          <a:bodyPr/>
+          <a:lstStyle/>
+          <a:p>
+            <a:r>
+              <a:rPr lang="en-US" dirty="0" smtClean="0"/>
+              <a:t>Models	</a:t>
+            </a:r>
+            <a:endParaRPr lang="en-US" dirty="0"/>
+          </a:p>
+        </p:txBody>
+      </p:sp>
+      <p:sp>
+        <p:nvSpPr>
+          <p:cNvPr id="3" name="Content Placeholder 2"/>
+          <p:cNvSpPr>
+            <a:spLocks noGrp="1"/>
+          </p:cNvSpPr>
+          <p:nvPr>
+            <p:ph idx="1"/>
+          </p:nvPr>
+        </p:nvSpPr>
+        <p:spPr/>
+        <p:txBody>
           <a:bodyPr>
             <a:normAutofit/>
           </a:bodyPr>
           <a:lstStyle/>
           <a:p>
+            <a:endParaRPr lang="en-US" dirty="0" smtClean="0"/>
+          </a:p>
+          <a:p>
             <a:r>
               <a:rPr lang="en-US" dirty="0" smtClean="0"/>
-              <a:t>Data Structures</a:t>
-            </a:r>
-            <a:endParaRPr lang="en-US" dirty="0"/>
-          </a:p>
-        </p:txBody>
-      </p:sp>
-      <p:sp>
-        <p:nvSpPr>
-          <p:cNvPr id="3" name="Content Placeholder 2"/>
-          <p:cNvSpPr>
-            <a:spLocks noGrp="1"/>
-          </p:cNvSpPr>
-          <p:nvPr>
-            <p:ph idx="1"/>
-          </p:nvPr>
-        </p:nvSpPr>
-        <p:spPr/>
-        <p:txBody>
-          <a:bodyPr>
-            <a:normAutofit/>
-          </a:bodyPr>
-          <a:lstStyle/>
-          <a:p>
+              <a:t>Sphere Generator</a:t>
+            </a:r>
+          </a:p>
+          <a:p>
+            <a:pPr lvl="1"/>
             <a:r>
               <a:rPr lang="en-US" dirty="0" smtClean="0"/>
-              <a:t>One object class representing both items and Planets.</a:t>
-            </a:r>
-            <a:endParaRPr lang="en-US" dirty="0"/>
+              <a:t>Generates spheres with texture of arbitrary size</a:t>
+            </a:r>
+          </a:p>
+          <a:p>
+            <a:endParaRPr lang="en-US" dirty="0" smtClean="0"/>
+          </a:p>
+          <a:p>
+            <a:r>
+              <a:rPr lang="en-US" dirty="0" smtClean="0"/>
+              <a:t>.</a:t>
+            </a:r>
+            <a:r>
+              <a:rPr lang="en-US" dirty="0" err="1" smtClean="0"/>
+              <a:t>Obj</a:t>
+            </a:r>
+            <a:r>
+              <a:rPr lang="en-US" dirty="0" smtClean="0"/>
+              <a:t>-Loader</a:t>
+            </a:r>
           </a:p>
           <a:p>
             <a:pPr lvl="1"/>
             <a:r>
-              <a:rPr lang="sv-SE" dirty="0" err="1" smtClean="0"/>
-              <a:t>Items</a:t>
-            </a:r>
-            <a:r>
-              <a:rPr lang="sv-SE" dirty="0" smtClean="0"/>
-              <a:t> – </a:t>
-            </a:r>
-            <a:r>
-              <a:rPr lang="sv-SE" dirty="0" err="1" smtClean="0"/>
-              <a:t>Affected</a:t>
-            </a:r>
-            <a:r>
-              <a:rPr lang="sv-SE" dirty="0" smtClean="0"/>
-              <a:t> by </a:t>
-            </a:r>
-            <a:r>
-              <a:rPr lang="sv-SE" dirty="0" err="1" smtClean="0"/>
-              <a:t>gravity</a:t>
-            </a:r>
-            <a:endParaRPr lang="sv-SE" dirty="0" smtClean="0"/>
-          </a:p>
-          <a:p>
-            <a:pPr lvl="1"/>
-            <a:r>
-              <a:rPr lang="sv-SE" dirty="0" smtClean="0"/>
-              <a:t>Planets – </a:t>
-            </a:r>
-            <a:r>
-              <a:rPr lang="sv-SE" dirty="0" err="1" smtClean="0"/>
-              <a:t>Locked</a:t>
-            </a:r>
-            <a:r>
-              <a:rPr lang="sv-SE" dirty="0" smtClean="0"/>
-              <a:t> in </a:t>
-            </a:r>
-            <a:r>
-              <a:rPr lang="sv-SE" dirty="0" err="1" smtClean="0"/>
-              <a:t>orbit</a:t>
-            </a:r>
-            <a:endParaRPr lang="sv-SE" dirty="0"/>
-          </a:p>
-          <a:p>
-            <a:r>
               <a:rPr lang="en-US" dirty="0" smtClean="0"/>
-              <a:t>Stored in different lists</a:t>
-            </a:r>
-          </a:p>
-          <a:p>
-            <a:r>
-              <a:rPr lang="en-US" dirty="0"/>
-              <a:t>Each planet has a list with all </a:t>
+              <a:t>Loads .</a:t>
+            </a:r>
+            <a:r>
+              <a:rPr lang="en-US" dirty="0" err="1" smtClean="0"/>
+              <a:t>obj</a:t>
             </a:r>
             <a:r>
               <a:rPr lang="en-US" dirty="0" smtClean="0"/>
-              <a:t>satellites (planets) </a:t>
-            </a:r>
-            <a:r>
-              <a:rPr lang="en-US" dirty="0"/>
-              <a:t>locked in orbit around it.</a:t>
-            </a:r>
-          </a:p>
-          <a:p>
-            <a:pPr lvl="1"/>
-            <a:r>
-              <a:rPr lang="sv-SE" dirty="0"/>
-              <a:t>Allows for an arbitrary number of satellites</a:t>
-            </a:r>
-            <a:r>
-              <a:rPr lang="sv-SE" dirty="0" smtClean="0"/>
-              <a:t>.</a:t>
-            </a:r>
-          </a:p>
-          <a:p>
-            <a:pPr lvl="1"/>
-            <a:r>
-              <a:rPr lang="sv-SE" dirty="0" smtClean="0"/>
-              <a:t>Allows for easy access to all information needed.</a:t>
-            </a:r>
-            <a:endParaRPr lang="sv-SE" dirty="0"/>
-          </a:p>
-          <a:p>
-            <a:endParaRPr lang="en-US" dirty="0"/>
+              <a:t> files as long as they are stored according to </a:t>
+            </a:r>
+            <a:r>
+              <a:rPr lang="en-US" dirty="0" err="1" smtClean="0"/>
+              <a:t>openGL</a:t>
+            </a:r>
+            <a:r>
+              <a:rPr lang="en-US" dirty="0" smtClean="0"/>
+              <a:t> desires. </a:t>
+            </a:r>
+          </a:p>
+          <a:p>
+            <a:pPr marL="118872" indent="0">
+              <a:buNone/>
+            </a:pPr>
+            <a:endParaRPr lang="en-US" dirty="0" smtClean="0"/>
           </a:p>
         </p:txBody>
       </p:sp>
     </p:spTree>
     <p:extLst>
       <p:ext uri="{BB962C8B-B14F-4D97-AF65-F5344CB8AC3E}">
-        <p14:creationId xmlns:p14="http://schemas.microsoft.com/office/powerpoint/2010/main" val="1357795724"/>
+        <p14:creationId xmlns:p14="http://schemas.microsoft.com/office/powerpoint/2010/main" val="2546606174"/>
       </p:ext>
     </p:extLst>
   </p:cSld>
   <p:clrMapOvr>
     <a:masterClrMapping/>
   </p:clrMapOvr>
+  <p:timing>
+    <p:tnLst>
+      <p:par>
+        <p:cTn id="1" dur="indefinite" restart="never" nodeType="tmRoot"/>
+      </p:par>
+    </p:tnLst>
+  </p:timing>
 </p:sld>
 </file>
 
@@ -4712,7 +4763,7 @@
           <a:p>
             <a:r>
               <a:rPr lang="en-US" dirty="0" smtClean="0"/>
-              <a:t>Physics</a:t>
+              <a:t>Texture</a:t>
             </a:r>
             <a:endParaRPr lang="en-US" dirty="0"/>
           </a:p>
@@ -4730,82 +4781,77 @@
         </p:nvSpPr>
         <p:spPr/>
         <p:txBody>
-          <a:bodyPr/>
+          <a:bodyPr>
+            <a:normAutofit lnSpcReduction="10000"/>
+          </a:bodyPr>
           <a:lstStyle/>
           <a:p>
             <a:r>
-              <a:rPr lang="en-US" dirty="0"/>
-              <a:t>Gravity according to Newton’s laws</a:t>
+              <a:rPr lang="en-US" dirty="0" smtClean="0"/>
+              <a:t>Texture blending</a:t>
             </a:r>
           </a:p>
           <a:p>
             <a:pPr lvl="1"/>
             <a:r>
-              <a:rPr lang="sv-SE" dirty="0" err="1" smtClean="0"/>
-              <a:t>Sum</a:t>
-            </a:r>
-            <a:r>
-              <a:rPr lang="sv-SE" dirty="0" smtClean="0"/>
-              <a:t> acceleration </a:t>
-            </a:r>
-            <a:r>
-              <a:rPr lang="sv-SE" dirty="0" err="1" smtClean="0"/>
-              <a:t>contributions</a:t>
-            </a:r>
-            <a:r>
-              <a:rPr lang="sv-SE" dirty="0" smtClean="0"/>
-              <a:t> from all planets</a:t>
+              <a:rPr lang="en-US" dirty="0" smtClean="0"/>
+              <a:t>Day texture</a:t>
             </a:r>
           </a:p>
           <a:p>
             <a:pPr lvl="1"/>
             <a:r>
-              <a:rPr lang="sv-SE" dirty="0" smtClean="0"/>
-              <a:t>Proportional </a:t>
-            </a:r>
-            <a:r>
-              <a:rPr lang="sv-SE" dirty="0" err="1" smtClean="0"/>
-              <a:t>to</a:t>
-            </a:r>
-            <a:r>
-              <a:rPr lang="sv-SE" dirty="0" smtClean="0"/>
-              <a:t> planet </a:t>
-            </a:r>
-            <a:r>
-              <a:rPr lang="sv-SE" dirty="0" err="1" smtClean="0"/>
-              <a:t>mass</a:t>
-            </a:r>
-            <a:endParaRPr lang="sv-SE" dirty="0"/>
-          </a:p>
-          <a:p>
+              <a:rPr lang="en-US" dirty="0" smtClean="0"/>
+              <a:t>Night texture</a:t>
+            </a:r>
+          </a:p>
+          <a:p>
+            <a:pPr marL="457200" lvl="1" indent="0">
+              <a:buNone/>
+            </a:pPr>
             <a:endParaRPr lang="en-US" dirty="0" smtClean="0"/>
           </a:p>
           <a:p>
             <a:r>
-              <a:rPr lang="en-US" dirty="0"/>
-              <a:t>Can be toggled to affect the Camera as well.</a:t>
+              <a:rPr lang="en-US" dirty="0" smtClean="0"/>
+              <a:t>Texture for structure</a:t>
             </a:r>
           </a:p>
           <a:p>
             <a:pPr lvl="1"/>
             <a:r>
-              <a:rPr lang="sv-SE" smtClean="0"/>
-              <a:t>Use with caution!</a:t>
-            </a:r>
-            <a:endParaRPr lang="sv-SE" dirty="0"/>
+              <a:rPr lang="en-US" dirty="0" smtClean="0"/>
+              <a:t>Normal map</a:t>
+            </a:r>
+          </a:p>
+          <a:p>
+            <a:pPr lvl="1"/>
+            <a:r>
+              <a:rPr lang="en-US" dirty="0" err="1" smtClean="0"/>
+              <a:t>Specularity</a:t>
+            </a:r>
+            <a:r>
+              <a:rPr lang="en-US" dirty="0" smtClean="0"/>
+              <a:t> map</a:t>
+            </a:r>
           </a:p>
           <a:p>
             <a:endParaRPr lang="en-US" dirty="0"/>
           </a:p>
           <a:p>
-            <a:pPr marL="118872" indent="0">
-              <a:buNone/>
-            </a:pPr>
-            <a:endParaRPr lang="en-US" dirty="0"/>
+            <a:r>
+              <a:rPr lang="en-US" dirty="0" smtClean="0"/>
+              <a:t>For both planes and spheres!</a:t>
+            </a:r>
           </a:p>
         </p:txBody>
       </p:sp>
     </p:spTree>
+    <p:extLst>
+      <p:ext uri="{BB962C8B-B14F-4D97-AF65-F5344CB8AC3E}">
+        <p14:creationId xmlns:p14="http://schemas.microsoft.com/office/powerpoint/2010/main" val="2723872442"/>
+      </p:ext>
+    </p:extLst>
   </p:cSld>
   <p:clrMapOvr>
     <a:masterClrMapping/>
@@ -4854,7 +4900,7 @@
           <a:p>
             <a:r>
               <a:rPr lang="en-US" dirty="0" smtClean="0"/>
-              <a:t>Physics</a:t>
+              <a:t>Shadows</a:t>
             </a:r>
             <a:endParaRPr lang="en-US" dirty="0"/>
           </a:p>
@@ -4872,73 +4918,56 @@
         </p:nvSpPr>
         <p:spPr/>
         <p:txBody>
-          <a:bodyPr/>
+          <a:bodyPr>
+            <a:normAutofit/>
+          </a:bodyPr>
           <a:lstStyle/>
           <a:p>
-            <a:r>
-              <a:rPr lang="en-US" dirty="0"/>
-              <a:t>Friction free spherical collision</a:t>
-            </a:r>
-          </a:p>
-          <a:p>
-            <a:pPr lvl="1"/>
-            <a:r>
-              <a:rPr lang="sv-SE" dirty="0" smtClean="0"/>
-              <a:t>Un-optimized</a:t>
-            </a:r>
-            <a:endParaRPr lang="sv-SE" dirty="0"/>
-          </a:p>
-          <a:p>
-            <a:pPr lvl="1"/>
-            <a:r>
-              <a:rPr lang="sv-SE" dirty="0"/>
-              <a:t>Check all </a:t>
-            </a:r>
-            <a:r>
-              <a:rPr lang="sv-SE" dirty="0" err="1"/>
-              <a:t>items</a:t>
-            </a:r>
-            <a:r>
-              <a:rPr lang="sv-SE" dirty="0"/>
-              <a:t> </a:t>
-            </a:r>
-            <a:r>
-              <a:rPr lang="sv-SE" dirty="0" err="1"/>
-              <a:t>against</a:t>
-            </a:r>
-            <a:r>
-              <a:rPr lang="sv-SE" dirty="0"/>
-              <a:t> all planets and </a:t>
-            </a:r>
-            <a:r>
-              <a:rPr lang="sv-SE" dirty="0" err="1"/>
-              <a:t>other</a:t>
-            </a:r>
-            <a:r>
-              <a:rPr lang="sv-SE" dirty="0"/>
-              <a:t> </a:t>
-            </a:r>
-            <a:r>
-              <a:rPr lang="sv-SE" dirty="0" err="1" smtClean="0"/>
-              <a:t>items</a:t>
-            </a:r>
-            <a:endParaRPr lang="sv-SE" dirty="0" smtClean="0"/>
-          </a:p>
-          <a:p>
-            <a:pPr lvl="1"/>
-            <a:r>
-              <a:rPr lang="sv-SE" dirty="0" smtClean="0"/>
-              <a:t>Still able handle up to 100 </a:t>
-            </a:r>
-            <a:r>
-              <a:rPr lang="sv-SE" dirty="0" smtClean="0"/>
-              <a:t>items without significant FPS drop</a:t>
-            </a:r>
-            <a:endParaRPr lang="sv-SE" dirty="0"/>
-          </a:p>
-          <a:p>
-            <a:pPr lvl="1"/>
-            <a:endParaRPr lang="sv-SE" dirty="0"/>
+            <a:endParaRPr lang="en-US" dirty="0" smtClean="0"/>
+          </a:p>
+          <a:p>
+            <a:r>
+              <a:rPr lang="en-US" dirty="0" smtClean="0"/>
+              <a:t>All planets cast shadows in real time</a:t>
+            </a:r>
+          </a:p>
+          <a:p>
+            <a:endParaRPr lang="en-US" dirty="0"/>
+          </a:p>
+          <a:p>
+            <a:endParaRPr lang="en-US" dirty="0" smtClean="0"/>
+          </a:p>
+          <a:p>
+            <a:r>
+              <a:rPr lang="en-US" dirty="0" smtClean="0"/>
+              <a:t>Shadows are generated using </a:t>
+            </a:r>
+            <a:r>
+              <a:rPr lang="en-US" dirty="0" err="1" smtClean="0"/>
+              <a:t>raycasting</a:t>
+            </a:r>
+            <a:r>
+              <a:rPr lang="en-US" dirty="0" smtClean="0"/>
+              <a:t> calculated with </a:t>
+            </a:r>
+            <a:r>
+              <a:rPr lang="en-US" dirty="0" err="1" smtClean="0"/>
+              <a:t>Plücker</a:t>
+            </a:r>
+            <a:r>
+              <a:rPr lang="en-US" dirty="0" smtClean="0"/>
+              <a:t> coordinates.</a:t>
+            </a:r>
+            <a:endParaRPr lang="en-US" dirty="0"/>
+          </a:p>
+          <a:p>
+            <a:endParaRPr lang="en-US" dirty="0" smtClean="0"/>
+          </a:p>
+          <a:p>
+            <a:endParaRPr lang="en-US" dirty="0" smtClean="0"/>
+          </a:p>
+          <a:p>
+            <a:endParaRPr lang="en-US" dirty="0" smtClean="0"/>
           </a:p>
           <a:p>
             <a:endParaRPr lang="en-US" dirty="0"/>
@@ -4948,13 +4977,20 @@
     </p:spTree>
     <p:extLst>
       <p:ext uri="{BB962C8B-B14F-4D97-AF65-F5344CB8AC3E}">
-        <p14:creationId xmlns:p14="http://schemas.microsoft.com/office/powerpoint/2010/main" val="3781797894"/>
+        <p14:creationId xmlns:p14="http://schemas.microsoft.com/office/powerpoint/2010/main" val="2628971675"/>
       </p:ext>
     </p:extLst>
   </p:cSld>
   <p:clrMapOvr>
     <a:masterClrMapping/>
   </p:clrMapOvr>
+  <p:timing>
+    <p:tnLst>
+      <p:par>
+        <p:cTn id="1" dur="indefinite" restart="never" nodeType="tmRoot"/>
+      </p:par>
+    </p:tnLst>
+  </p:timing>
 </p:sld>
 </file>
 
@@ -4987,12 +5023,14 @@
         </p:nvSpPr>
         <p:spPr/>
         <p:txBody>
-          <a:bodyPr/>
+          <a:bodyPr>
+            <a:normAutofit/>
+          </a:bodyPr>
           <a:lstStyle/>
           <a:p>
             <a:r>
               <a:rPr lang="en-US" dirty="0" smtClean="0"/>
-              <a:t>Editor</a:t>
+              <a:t>Data Structures</a:t>
             </a:r>
             <a:endParaRPr lang="en-US" dirty="0"/>
           </a:p>
@@ -5010,149 +5048,115 @@
         </p:nvSpPr>
         <p:spPr/>
         <p:txBody>
-          <a:bodyPr/>
+          <a:bodyPr>
+            <a:normAutofit/>
+          </a:bodyPr>
           <a:lstStyle/>
           <a:p>
             <a:r>
               <a:rPr lang="en-US" dirty="0" smtClean="0"/>
-              <a:t>Great user friendly console menus</a:t>
-            </a:r>
+              <a:t>One object class representing both items and Planets.</a:t>
+            </a:r>
+            <a:endParaRPr lang="en-US" dirty="0"/>
+          </a:p>
+          <a:p>
+            <a:pPr lvl="1"/>
+            <a:r>
+              <a:rPr lang="sv-SE" dirty="0" err="1" smtClean="0"/>
+              <a:t>Items</a:t>
+            </a:r>
+            <a:r>
+              <a:rPr lang="sv-SE" dirty="0" smtClean="0"/>
+              <a:t> – </a:t>
+            </a:r>
+            <a:r>
+              <a:rPr lang="sv-SE" dirty="0" err="1" smtClean="0"/>
+              <a:t>Affected</a:t>
+            </a:r>
+            <a:r>
+              <a:rPr lang="sv-SE" dirty="0" smtClean="0"/>
+              <a:t> by </a:t>
+            </a:r>
+            <a:r>
+              <a:rPr lang="sv-SE" dirty="0" err="1" smtClean="0"/>
+              <a:t>gravity</a:t>
+            </a:r>
+            <a:endParaRPr lang="sv-SE" dirty="0" smtClean="0"/>
+          </a:p>
+          <a:p>
+            <a:pPr lvl="1"/>
+            <a:r>
+              <a:rPr lang="sv-SE" dirty="0" smtClean="0"/>
+              <a:t>Planets – </a:t>
+            </a:r>
+            <a:r>
+              <a:rPr lang="sv-SE" dirty="0" err="1" smtClean="0"/>
+              <a:t>Locked</a:t>
+            </a:r>
+            <a:r>
+              <a:rPr lang="sv-SE" dirty="0" smtClean="0"/>
+              <a:t> in </a:t>
+            </a:r>
+            <a:r>
+              <a:rPr lang="sv-SE" dirty="0" err="1" smtClean="0"/>
+              <a:t>orbit</a:t>
+            </a:r>
+            <a:endParaRPr lang="sv-SE" dirty="0"/>
           </a:p>
           <a:p>
             <a:r>
               <a:rPr lang="en-US" dirty="0" smtClean="0"/>
-              <a:t>Planet </a:t>
-            </a:r>
+              <a:t>Stored in different lists</a:t>
+            </a:r>
+          </a:p>
+          <a:p>
             <a:r>
               <a:rPr lang="en-US" dirty="0"/>
-              <a:t>creation</a:t>
+              <a:t>Each planet has a list with all </a:t>
+            </a:r>
+            <a:r>
+              <a:rPr lang="en-US" dirty="0" smtClean="0"/>
+              <a:t>satellites (planets) </a:t>
+            </a:r>
+            <a:r>
+              <a:rPr lang="en-US" dirty="0"/>
+              <a:t>locked in orbit around it.</a:t>
             </a:r>
           </a:p>
           <a:p>
             <a:pPr lvl="1"/>
             <a:r>
+              <a:rPr lang="sv-SE" dirty="0"/>
+              <a:t>Allows for an arbitrary number of satellites</a:t>
+            </a:r>
+            <a:r>
               <a:rPr lang="sv-SE" dirty="0" smtClean="0"/>
-              <a:t>Pick </a:t>
-            </a:r>
-            <a:r>
-              <a:rPr lang="sv-SE" dirty="0" err="1" smtClean="0"/>
-              <a:t>your</a:t>
-            </a:r>
+              <a:t>.</a:t>
+            </a:r>
+          </a:p>
+          <a:p>
+            <a:pPr lvl="1"/>
             <a:r>
               <a:rPr lang="sv-SE" dirty="0" smtClean="0"/>
-              <a:t> </a:t>
-            </a:r>
-            <a:r>
-              <a:rPr lang="sv-SE" dirty="0" err="1" smtClean="0"/>
-              <a:t>own</a:t>
-            </a:r>
-            <a:r>
-              <a:rPr lang="sv-SE" dirty="0" smtClean="0"/>
-              <a:t> </a:t>
-            </a:r>
-            <a:r>
-              <a:rPr lang="sv-SE" dirty="0" err="1" smtClean="0"/>
-              <a:t>textures</a:t>
-            </a:r>
-            <a:endParaRPr lang="sv-SE" dirty="0" smtClean="0"/>
-          </a:p>
-          <a:p>
-            <a:pPr lvl="1"/>
-            <a:r>
-              <a:rPr lang="sv-SE" dirty="0" smtClean="0"/>
-              <a:t>Pick normal </a:t>
-            </a:r>
-            <a:r>
-              <a:rPr lang="sv-SE" dirty="0" err="1" smtClean="0"/>
-              <a:t>maps</a:t>
-            </a:r>
-            <a:endParaRPr lang="sv-SE" dirty="0" smtClean="0"/>
-          </a:p>
-          <a:p>
-            <a:pPr lvl="1"/>
-            <a:r>
-              <a:rPr lang="sv-SE" dirty="0" smtClean="0"/>
-              <a:t>Set </a:t>
-            </a:r>
-            <a:r>
-              <a:rPr lang="sv-SE" dirty="0" err="1" smtClean="0"/>
-              <a:t>shading</a:t>
-            </a:r>
-            <a:r>
-              <a:rPr lang="sv-SE" dirty="0" smtClean="0"/>
-              <a:t> parameters</a:t>
-            </a:r>
-          </a:p>
-          <a:p>
-            <a:pPr lvl="1"/>
-            <a:r>
-              <a:rPr lang="sv-SE" dirty="0" err="1" smtClean="0"/>
-              <a:t>Add</a:t>
-            </a:r>
-            <a:r>
-              <a:rPr lang="sv-SE" dirty="0" smtClean="0"/>
-              <a:t> </a:t>
-            </a:r>
-            <a:r>
-              <a:rPr lang="sv-SE" dirty="0" err="1" smtClean="0"/>
-              <a:t>satellite</a:t>
-            </a:r>
-            <a:r>
-              <a:rPr lang="sv-SE" dirty="0" smtClean="0"/>
-              <a:t> </a:t>
-            </a:r>
-            <a:r>
-              <a:rPr lang="sv-SE" dirty="0" err="1" smtClean="0"/>
-              <a:t>to</a:t>
-            </a:r>
-            <a:r>
-              <a:rPr lang="sv-SE" dirty="0" smtClean="0"/>
-              <a:t> existing planet</a:t>
-            </a:r>
-            <a:endParaRPr lang="en-US" dirty="0" smtClean="0"/>
-          </a:p>
-          <a:p>
-            <a:r>
-              <a:rPr lang="en-US" dirty="0"/>
-              <a:t>Planet presets</a:t>
-            </a:r>
-          </a:p>
-          <a:p>
-            <a:pPr lvl="1"/>
-            <a:r>
-              <a:rPr lang="sv-SE" dirty="0" smtClean="0"/>
-              <a:t>The </a:t>
-            </a:r>
-            <a:r>
-              <a:rPr lang="sv-SE" dirty="0" err="1" smtClean="0"/>
-              <a:t>whole</a:t>
-            </a:r>
-            <a:r>
-              <a:rPr lang="sv-SE" dirty="0" smtClean="0"/>
-              <a:t> solar system</a:t>
+              <a:t>Allows for easy access to all information needed.</a:t>
             </a:r>
             <a:endParaRPr lang="sv-SE" dirty="0"/>
           </a:p>
           <a:p>
-            <a:pPr marL="118872" indent="0">
-              <a:buNone/>
-            </a:pPr>
-            <a:endParaRPr lang="en-US" dirty="0" smtClean="0"/>
+            <a:endParaRPr lang="en-US" dirty="0"/>
           </a:p>
         </p:txBody>
       </p:sp>
     </p:spTree>
+    <p:extLst>
+      <p:ext uri="{BB962C8B-B14F-4D97-AF65-F5344CB8AC3E}">
+        <p14:creationId xmlns:p14="http://schemas.microsoft.com/office/powerpoint/2010/main" val="1357795724"/>
+      </p:ext>
+    </p:extLst>
   </p:cSld>
   <p:clrMapOvr>
     <a:masterClrMapping/>
   </p:clrMapOvr>
-  <p:timing>
-    <p:tnLst>
-      <p:par>
-        <p:cTn id="1" dur="indefinite" restart="never" nodeType="tmRoot"/>
-      </p:par>
-    </p:tnLst>
-  </p:timing>
 </p:sld>
 </file>
 
@@ -5190,7 +5194,7 @@
           <a:p>
             <a:r>
               <a:rPr lang="en-US" dirty="0" smtClean="0"/>
-              <a:t>Models	</a:t>
+              <a:t>Physics</a:t>
             </a:r>
             <a:endParaRPr lang="en-US" dirty="0"/>
           </a:p>
@@ -5208,80 +5212,82 @@
         </p:nvSpPr>
         <p:spPr/>
         <p:txBody>
-          <a:bodyPr>
-            <a:normAutofit/>
-          </a:bodyPr>
+          <a:bodyPr/>
           <a:lstStyle/>
           <a:p>
+            <a:r>
+              <a:rPr lang="en-US" dirty="0"/>
+              <a:t>Gravity according to Newton’s laws</a:t>
+            </a:r>
+          </a:p>
+          <a:p>
+            <a:pPr lvl="1"/>
+            <a:r>
+              <a:rPr lang="sv-SE" dirty="0" err="1" smtClean="0"/>
+              <a:t>Sum</a:t>
+            </a:r>
+            <a:r>
+              <a:rPr lang="sv-SE" dirty="0" smtClean="0"/>
+              <a:t> acceleration </a:t>
+            </a:r>
+            <a:r>
+              <a:rPr lang="sv-SE" dirty="0" err="1" smtClean="0"/>
+              <a:t>contributions</a:t>
+            </a:r>
+            <a:r>
+              <a:rPr lang="sv-SE" dirty="0" smtClean="0"/>
+              <a:t> from all planets</a:t>
+            </a:r>
+          </a:p>
+          <a:p>
+            <a:pPr lvl="1"/>
+            <a:r>
+              <a:rPr lang="sv-SE" dirty="0" smtClean="0"/>
+              <a:t>Proportional </a:t>
+            </a:r>
+            <a:r>
+              <a:rPr lang="sv-SE" dirty="0" err="1" smtClean="0"/>
+              <a:t>to</a:t>
+            </a:r>
+            <a:r>
+              <a:rPr lang="sv-SE" dirty="0" smtClean="0"/>
+              <a:t> planet </a:t>
+            </a:r>
+            <a:r>
+              <a:rPr lang="sv-SE" dirty="0" err="1" smtClean="0"/>
+              <a:t>mass</a:t>
+            </a:r>
+            <a:endParaRPr lang="sv-SE" dirty="0"/>
+          </a:p>
+          <a:p>
             <a:endParaRPr lang="en-US" dirty="0" smtClean="0"/>
           </a:p>
           <a:p>
             <a:r>
-              <a:rPr lang="en-US" dirty="0" smtClean="0"/>
-              <a:t>Sphere Generator</a:t>
+              <a:rPr lang="en-US" dirty="0"/>
+              <a:t>Can be toggled to affect the Camera as well.</a:t>
             </a:r>
           </a:p>
           <a:p>
             <a:pPr lvl="1"/>
             <a:r>
-              <a:rPr lang="en-US" dirty="0" smtClean="0"/>
-              <a:t>Generates spheres with texture of arbitrary size</a:t>
-            </a:r>
-          </a:p>
-          <a:p>
-            <a:endParaRPr lang="en-US" dirty="0" smtClean="0"/>
-          </a:p>
-          <a:p>
-            <a:r>
-              <a:rPr lang="en-US" dirty="0" smtClean="0"/>
-              <a:t>.</a:t>
-            </a:r>
-            <a:r>
-              <a:rPr lang="en-US" dirty="0" err="1" smtClean="0"/>
-              <a:t>Obj</a:t>
-            </a:r>
-            <a:r>
-              <a:rPr lang="en-US" dirty="0" smtClean="0"/>
-              <a:t>-Loader</a:t>
-            </a:r>
-          </a:p>
-          <a:p>
-            <a:pPr lvl="1"/>
-            <a:r>
-              <a:rPr lang="en-US" dirty="0" smtClean="0"/>
-              <a:t>Loads .</a:t>
-            </a:r>
-            <a:r>
-              <a:rPr lang="en-US" dirty="0" err="1" smtClean="0"/>
-              <a:t>obj</a:t>
-            </a:r>
-            <a:r>
-              <a:rPr lang="en-US" dirty="0" smtClean="0"/>
-              <a:t> files as long as they are stored according to </a:t>
-            </a:r>
-            <a:r>
-              <a:rPr lang="en-US" dirty="0" err="1" smtClean="0"/>
-              <a:t>openGL</a:t>
-            </a:r>
-            <a:r>
-              <a:rPr lang="en-US" dirty="0" smtClean="0"/>
-              <a:t> desires. </a:t>
-            </a:r>
+              <a:rPr lang="sv-SE" smtClean="0"/>
+              <a:t>Use with caution!</a:t>
+            </a:r>
+            <a:endParaRPr lang="sv-SE" dirty="0"/>
+          </a:p>
+          <a:p>
+            <a:endParaRPr lang="en-US" dirty="0"/>
           </a:p>
           <a:p>
             <a:pPr marL="118872" indent="0">
               <a:buNone/>
             </a:pPr>
-            <a:endParaRPr lang="en-US" dirty="0" smtClean="0"/>
+            <a:endParaRPr lang="en-US" dirty="0"/>
           </a:p>
         </p:txBody>
       </p:sp>
     </p:spTree>
-    <p:extLst>
-      <p:ext uri="{BB962C8B-B14F-4D97-AF65-F5344CB8AC3E}">
-        <p14:creationId xmlns:p14="http://schemas.microsoft.com/office/powerpoint/2010/main" val="2546606174"/>
-      </p:ext>
-    </p:extLst>
   </p:cSld>
   <p:clrMapOvr>
     <a:masterClrMapping/>
@@ -5330,7 +5336,7 @@
           <a:p>
             <a:r>
               <a:rPr lang="en-US" dirty="0" smtClean="0"/>
-              <a:t>Texture</a:t>
+              <a:t>Physics</a:t>
             </a:r>
             <a:endParaRPr lang="en-US" dirty="0"/>
           </a:p>
@@ -5348,88 +5354,85 @@
         </p:nvSpPr>
         <p:spPr/>
         <p:txBody>
-          <a:bodyPr>
-            <a:normAutofit lnSpcReduction="10000"/>
-          </a:bodyPr>
+          <a:bodyPr/>
           <a:lstStyle/>
           <a:p>
             <a:r>
-              <a:rPr lang="en-US" dirty="0" smtClean="0"/>
-              <a:t>Texture blending</a:t>
+              <a:rPr lang="en-US" dirty="0"/>
+              <a:t>Friction free spherical collision</a:t>
             </a:r>
           </a:p>
           <a:p>
             <a:pPr lvl="1"/>
             <a:r>
-              <a:rPr lang="en-US" dirty="0" smtClean="0"/>
-              <a:t>Day texture</a:t>
-            </a:r>
+              <a:rPr lang="sv-SE" dirty="0" smtClean="0"/>
+              <a:t>Un-optimized</a:t>
+            </a:r>
+            <a:endParaRPr lang="sv-SE" dirty="0"/>
           </a:p>
           <a:p>
             <a:pPr lvl="1"/>
             <a:r>
-              <a:rPr lang="en-US" dirty="0" smtClean="0"/>
-              <a:t>Night texture</a:t>
-            </a:r>
-          </a:p>
-          <a:p>
-            <a:pPr marL="457200" lvl="1" indent="0">
-              <a:buNone/>
-            </a:pPr>
-            <a:endParaRPr lang="en-US" dirty="0" smtClean="0"/>
-          </a:p>
-          <a:p>
-            <a:r>
-              <a:rPr lang="en-US" dirty="0" smtClean="0"/>
-              <a:t>Texture for structure</a:t>
-            </a:r>
+              <a:rPr lang="sv-SE" dirty="0"/>
+              <a:t>Check all </a:t>
+            </a:r>
+            <a:r>
+              <a:rPr lang="sv-SE" dirty="0" err="1"/>
+              <a:t>items</a:t>
+            </a:r>
+            <a:r>
+              <a:rPr lang="sv-SE" dirty="0"/>
+              <a:t> </a:t>
+            </a:r>
+            <a:r>
+              <a:rPr lang="sv-SE" dirty="0" err="1"/>
+              <a:t>against</a:t>
+            </a:r>
+            <a:r>
+              <a:rPr lang="sv-SE" dirty="0"/>
+              <a:t> all planets and </a:t>
+            </a:r>
+            <a:r>
+              <a:rPr lang="sv-SE" dirty="0" err="1"/>
+              <a:t>other</a:t>
+            </a:r>
+            <a:r>
+              <a:rPr lang="sv-SE" dirty="0"/>
+              <a:t> </a:t>
+            </a:r>
+            <a:r>
+              <a:rPr lang="sv-SE" dirty="0" err="1" smtClean="0"/>
+              <a:t>items</a:t>
+            </a:r>
+            <a:endParaRPr lang="sv-SE" dirty="0" smtClean="0"/>
           </a:p>
           <a:p>
             <a:pPr lvl="1"/>
             <a:r>
-              <a:rPr lang="en-US" dirty="0" smtClean="0"/>
-              <a:t>Normal map</a:t>
-            </a:r>
+              <a:rPr lang="sv-SE" dirty="0" smtClean="0"/>
+              <a:t>Still able handle up to 100 items without significant FPS drop</a:t>
+            </a:r>
+            <a:endParaRPr lang="sv-SE" dirty="0"/>
           </a:p>
           <a:p>
             <a:pPr lvl="1"/>
-            <a:r>
-              <a:rPr lang="en-US" dirty="0" err="1" smtClean="0"/>
-              <a:t>Specularity</a:t>
-            </a:r>
-            <a:r>
-              <a:rPr lang="en-US" dirty="0" smtClean="0"/>
-              <a:t> map</a:t>
-            </a:r>
+            <a:endParaRPr lang="sv-SE" dirty="0"/>
           </a:p>
           <a:p>
             <a:endParaRPr lang="en-US" dirty="0"/>
-          </a:p>
-          <a:p>
-            <a:r>
-              <a:rPr lang="en-US" dirty="0" smtClean="0"/>
-              <a:t>For both planes and spheres!</a:t>
-            </a:r>
           </a:p>
         </p:txBody>
       </p:sp>
     </p:spTree>
     <p:extLst>
       <p:ext uri="{BB962C8B-B14F-4D97-AF65-F5344CB8AC3E}">
-        <p14:creationId xmlns:p14="http://schemas.microsoft.com/office/powerpoint/2010/main" val="2723872442"/>
+        <p14:creationId xmlns:p14="http://schemas.microsoft.com/office/powerpoint/2010/main" val="3781797894"/>
       </p:ext>
     </p:extLst>
   </p:cSld>
   <p:clrMapOvr>
     <a:masterClrMapping/>
   </p:clrMapOvr>
-  <p:timing>
-    <p:tnLst>
-      <p:par>
-        <p:cTn id="1" dur="indefinite" restart="never" nodeType="tmRoot"/>
-      </p:par>
-    </p:tnLst>
-  </p:timing>
 </p:sld>
 </file>
 

--- a/Documentation/Presentation TSBK07 CMS.pptx
+++ b/Documentation/Presentation TSBK07 CMS.pptx
@@ -201,6 +201,7 @@
           <a:p>
             <a:fld id="{2D3CB711-9C12-4B13-9C7A-61DE322E86FC}" type="datetimeFigureOut">
               <a:rPr lang="sv-SE" smtClean="0"/>
+              <a:pPr/>
               <a:t>2013-05-16</a:t>
             </a:fld>
             <a:endParaRPr lang="sv-SE"/>
@@ -267,6 +268,7 @@
           <a:p>
             <a:fld id="{BC486F0E-EBE3-4D23-8FD1-0946D1A0F1F7}" type="slidenum">
               <a:rPr lang="sv-SE" smtClean="0"/>
+              <a:pPr/>
               <a:t>‹#›</a:t>
             </a:fld>
             <a:endParaRPr lang="sv-SE"/>
@@ -276,7 +278,7 @@
     </p:spTree>
     <p:extLst>
       <p:ext uri="{BB962C8B-B14F-4D97-AF65-F5344CB8AC3E}">
-        <p14:creationId xmlns:p14="http://schemas.microsoft.com/office/powerpoint/2010/main" val="1690676727"/>
+        <p14:creationId xmlns:p14="http://schemas.microsoft.com/office/powerpoint/2010/main" xmlns="" val="1690676727"/>
       </p:ext>
     </p:extLst>
   </p:cSld>
@@ -4158,13 +4160,8 @@
           <a:p>
             <a:r>
               <a:rPr lang="en-US" dirty="0" smtClean="0"/>
-              <a:t>Great user friendly console </a:t>
-            </a:r>
-            <a:r>
-              <a:rPr lang="en-US" dirty="0" smtClean="0"/>
-              <a:t>menus with only a few unintended features</a:t>
-            </a:r>
-            <a:endParaRPr lang="en-US" dirty="0" smtClean="0"/>
+              <a:t>Great user friendly console menus with only a few unintended features</a:t>
+            </a:r>
           </a:p>
           <a:p>
             <a:r>
@@ -4712,7 +4709,7 @@
     </p:spTree>
     <p:extLst>
       <p:ext uri="{BB962C8B-B14F-4D97-AF65-F5344CB8AC3E}">
-        <p14:creationId xmlns:p14="http://schemas.microsoft.com/office/powerpoint/2010/main" val="2546606174"/>
+        <p14:creationId xmlns:p14="http://schemas.microsoft.com/office/powerpoint/2010/main" xmlns="" val="2546606174"/>
       </p:ext>
     </p:extLst>
   </p:cSld>
@@ -4849,7 +4846,7 @@
     </p:spTree>
     <p:extLst>
       <p:ext uri="{BB962C8B-B14F-4D97-AF65-F5344CB8AC3E}">
-        <p14:creationId xmlns:p14="http://schemas.microsoft.com/office/powerpoint/2010/main" val="2723872442"/>
+        <p14:creationId xmlns:p14="http://schemas.microsoft.com/office/powerpoint/2010/main" xmlns="" val="2723872442"/>
       </p:ext>
     </p:extLst>
   </p:cSld>
@@ -4977,7 +4974,7 @@
     </p:spTree>
     <p:extLst>
       <p:ext uri="{BB962C8B-B14F-4D97-AF65-F5344CB8AC3E}">
-        <p14:creationId xmlns:p14="http://schemas.microsoft.com/office/powerpoint/2010/main" val="2628971675"/>
+        <p14:creationId xmlns:p14="http://schemas.microsoft.com/office/powerpoint/2010/main" xmlns="" val="2628971675"/>
       </p:ext>
     </p:extLst>
   </p:cSld>
@@ -5150,7 +5147,7 @@
     </p:spTree>
     <p:extLst>
       <p:ext uri="{BB962C8B-B14F-4D97-AF65-F5344CB8AC3E}">
-        <p14:creationId xmlns:p14="http://schemas.microsoft.com/office/powerpoint/2010/main" val="1357795724"/>
+        <p14:creationId xmlns:p14="http://schemas.microsoft.com/office/powerpoint/2010/main" xmlns="" val="1357795724"/>
       </p:ext>
     </p:extLst>
   </p:cSld>
@@ -5212,7 +5209,9 @@
         </p:nvSpPr>
         <p:spPr/>
         <p:txBody>
-          <a:bodyPr/>
+          <a:bodyPr>
+            <a:normAutofit lnSpcReduction="10000"/>
+          </a:bodyPr>
           <a:lstStyle/>
           <a:p>
             <a:r>
@@ -5243,20 +5242,44 @@
             <a:pPr lvl="1"/>
             <a:r>
               <a:rPr lang="sv-SE" dirty="0" smtClean="0"/>
-              <a:t>Proportional </a:t>
-            </a:r>
-            <a:r>
-              <a:rPr lang="sv-SE" dirty="0" err="1" smtClean="0"/>
-              <a:t>to</a:t>
-            </a:r>
-            <a:r>
-              <a:rPr lang="sv-SE" dirty="0" smtClean="0"/>
-              <a:t> planet </a:t>
+              <a:t>Proportional to planet </a:t>
             </a:r>
             <a:r>
               <a:rPr lang="sv-SE" dirty="0" err="1" smtClean="0"/>
               <a:t>mass</a:t>
             </a:r>
+            <a:endParaRPr lang="sv-SE" dirty="0" smtClean="0"/>
+          </a:p>
+          <a:p>
+            <a:pPr lvl="1"/>
+            <a:r>
+              <a:rPr lang="sv-SE" dirty="0" err="1" smtClean="0"/>
+              <a:t>Update</a:t>
+            </a:r>
+            <a:r>
+              <a:rPr lang="sv-SE" dirty="0" smtClean="0"/>
+              <a:t> </a:t>
+            </a:r>
+            <a:r>
+              <a:rPr lang="sv-SE" dirty="0" err="1" smtClean="0"/>
+              <a:t>velocities</a:t>
+            </a:r>
+            <a:r>
+              <a:rPr lang="sv-SE" dirty="0" smtClean="0"/>
+              <a:t> as:</a:t>
+            </a:r>
+            <a:endParaRPr lang="sv-SE" dirty="0" smtClean="0"/>
+          </a:p>
+          <a:p>
+            <a:pPr lvl="1">
+              <a:buNone/>
+            </a:pPr>
+            <a:endParaRPr lang="sv-SE" dirty="0" smtClean="0"/>
+          </a:p>
+          <a:p>
+            <a:pPr lvl="1">
+              <a:buNone/>
+            </a:pPr>
             <a:endParaRPr lang="sv-SE" dirty="0"/>
           </a:p>
           <a:p>
@@ -5271,8 +5294,20 @@
           <a:p>
             <a:pPr lvl="1"/>
             <a:r>
-              <a:rPr lang="sv-SE" smtClean="0"/>
-              <a:t>Use with caution!</a:t>
+              <a:rPr lang="sv-SE" dirty="0" err="1" smtClean="0"/>
+              <a:t>Use</a:t>
+            </a:r>
+            <a:r>
+              <a:rPr lang="sv-SE" dirty="0" smtClean="0"/>
+              <a:t> with </a:t>
+            </a:r>
+            <a:r>
+              <a:rPr lang="sv-SE" dirty="0" err="1" smtClean="0"/>
+              <a:t>caution</a:t>
+            </a:r>
+            <a:r>
+              <a:rPr lang="sv-SE" dirty="0" smtClean="0"/>
+              <a:t>!</a:t>
             </a:r>
             <a:endParaRPr lang="sv-SE" dirty="0"/>
           </a:p>
@@ -5287,6 +5322,195 @@
           </a:p>
         </p:txBody>
       </p:sp>
+      <p:sp>
+        <p:nvSpPr>
+          <p:cNvPr id="4098" name="Rectangle 2"/>
+          <p:cNvSpPr>
+            <a:spLocks noChangeArrowheads="1"/>
+          </p:cNvSpPr>
+          <p:nvPr/>
+        </p:nvSpPr>
+        <p:spPr bwMode="auto">
+          <a:xfrm>
+            <a:off x="0" y="0"/>
+            <a:ext cx="9144000" cy="0"/>
+          </a:xfrm>
+          <a:prstGeom prst="rect">
+            <a:avLst/>
+          </a:prstGeom>
+          <a:noFill/>
+          <a:ln w="9525">
+            <a:noFill/>
+            <a:miter lim="800000"/>
+            <a:headEnd/>
+            <a:tailEnd/>
+          </a:ln>
+          <a:effectLst/>
+        </p:spPr>
+        <p:txBody>
+          <a:bodyPr vert="horz" wrap="none" lIns="91440" tIns="45720" rIns="91440" bIns="45720" numCol="1" anchor="ctr" anchorCtr="0" compatLnSpc="1">
+            <a:prstTxWarp prst="textNoShape">
+              <a:avLst/>
+            </a:prstTxWarp>
+            <a:spAutoFit/>
+          </a:bodyPr>
+          <a:lstStyle/>
+          <a:p>
+            <a:endParaRPr lang="sv-SE"/>
+          </a:p>
+        </p:txBody>
+      </p:sp>
+      <p:sp>
+        <p:nvSpPr>
+          <p:cNvPr id="4100" name="Rectangle 4"/>
+          <p:cNvSpPr>
+            <a:spLocks noChangeArrowheads="1"/>
+          </p:cNvSpPr>
+          <p:nvPr/>
+        </p:nvSpPr>
+        <p:spPr bwMode="auto">
+          <a:xfrm>
+            <a:off x="0" y="0"/>
+            <a:ext cx="9144000" cy="0"/>
+          </a:xfrm>
+          <a:prstGeom prst="rect">
+            <a:avLst/>
+          </a:prstGeom>
+          <a:noFill/>
+          <a:ln w="9525">
+            <a:noFill/>
+            <a:miter lim="800000"/>
+            <a:headEnd/>
+            <a:tailEnd/>
+          </a:ln>
+          <a:effectLst/>
+        </p:spPr>
+        <p:txBody>
+          <a:bodyPr vert="horz" wrap="none" lIns="91440" tIns="45720" rIns="91440" bIns="45720" numCol="1" anchor="ctr" anchorCtr="0" compatLnSpc="1">
+            <a:prstTxWarp prst="textNoShape">
+              <a:avLst/>
+            </a:prstTxWarp>
+            <a:spAutoFit/>
+          </a:bodyPr>
+          <a:lstStyle/>
+          <a:p>
+            <a:endParaRPr lang="sv-SE"/>
+          </a:p>
+        </p:txBody>
+      </p:sp>
+      <p:sp>
+        <p:nvSpPr>
+          <p:cNvPr id="4102" name="Rectangle 6"/>
+          <p:cNvSpPr>
+            <a:spLocks noChangeArrowheads="1"/>
+          </p:cNvSpPr>
+          <p:nvPr/>
+        </p:nvSpPr>
+        <p:spPr bwMode="auto">
+          <a:xfrm>
+            <a:off x="0" y="0"/>
+            <a:ext cx="9144000" cy="0"/>
+          </a:xfrm>
+          <a:prstGeom prst="rect">
+            <a:avLst/>
+          </a:prstGeom>
+          <a:noFill/>
+          <a:ln w="9525">
+            <a:noFill/>
+            <a:miter lim="800000"/>
+            <a:headEnd/>
+            <a:tailEnd/>
+          </a:ln>
+          <a:effectLst/>
+        </p:spPr>
+        <p:txBody>
+          <a:bodyPr vert="horz" wrap="none" lIns="91440" tIns="45720" rIns="91440" bIns="45720" numCol="1" anchor="ctr" anchorCtr="0" compatLnSpc="1">
+            <a:prstTxWarp prst="textNoShape">
+              <a:avLst/>
+            </a:prstTxWarp>
+            <a:spAutoFit/>
+          </a:bodyPr>
+          <a:lstStyle/>
+          <a:p>
+            <a:endParaRPr lang="sv-SE"/>
+          </a:p>
+        </p:txBody>
+      </p:sp>
+      <p:sp>
+        <p:nvSpPr>
+          <p:cNvPr id="4104" name="Rectangle 8"/>
+          <p:cNvSpPr>
+            <a:spLocks noChangeArrowheads="1"/>
+          </p:cNvSpPr>
+          <p:nvPr/>
+        </p:nvSpPr>
+        <p:spPr bwMode="auto">
+          <a:xfrm>
+            <a:off x="0" y="0"/>
+            <a:ext cx="9144000" cy="0"/>
+          </a:xfrm>
+          <a:prstGeom prst="rect">
+            <a:avLst/>
+          </a:prstGeom>
+          <a:noFill/>
+          <a:ln w="9525">
+            <a:noFill/>
+            <a:miter lim="800000"/>
+            <a:headEnd/>
+            <a:tailEnd/>
+          </a:ln>
+          <a:effectLst/>
+        </p:spPr>
+        <p:txBody>
+          <a:bodyPr vert="horz" wrap="none" lIns="91440" tIns="45720" rIns="91440" bIns="45720" numCol="1" anchor="ctr" anchorCtr="0" compatLnSpc="1">
+            <a:prstTxWarp prst="textNoShape">
+              <a:avLst/>
+            </a:prstTxWarp>
+            <a:spAutoFit/>
+          </a:bodyPr>
+          <a:lstStyle/>
+          <a:p>
+            <a:endParaRPr lang="sv-SE"/>
+          </a:p>
+        </p:txBody>
+      </p:sp>
+      <p:pic>
+        <p:nvPicPr>
+          <p:cNvPr id="4103" name="Picture 7"/>
+          <p:cNvPicPr>
+            <a:picLocks noChangeAspect="1" noChangeArrowheads="1"/>
+          </p:cNvPicPr>
+          <p:nvPr/>
+        </p:nvPicPr>
+        <p:blipFill>
+          <a:blip r:embed="rId2" cstate="print">
+            <a:clrChange>
+              <a:clrFrom>
+                <a:srgbClr val="FFFFFF"/>
+              </a:clrFrom>
+              <a:clrTo>
+                <a:srgbClr val="FFFFFF">
+                  <a:alpha val="0"/>
+                </a:srgbClr>
+              </a:clrTo>
+            </a:clrChange>
+          </a:blip>
+          <a:srcRect/>
+          <a:stretch>
+            <a:fillRect/>
+          </a:stretch>
+        </p:blipFill>
+        <p:spPr bwMode="auto">
+          <a:xfrm>
+            <a:off x="1828800" y="3886200"/>
+            <a:ext cx="5172075" cy="895350"/>
+          </a:xfrm>
+          <a:prstGeom prst="rect">
+            <a:avLst/>
+          </a:prstGeom>
+          <a:noFill/>
+        </p:spPr>
+      </p:pic>
     </p:spTree>
   </p:cSld>
   <p:clrMapOvr>
@@ -5426,7 +5650,7 @@
     </p:spTree>
     <p:extLst>
       <p:ext uri="{BB962C8B-B14F-4D97-AF65-F5344CB8AC3E}">
-        <p14:creationId xmlns:p14="http://schemas.microsoft.com/office/powerpoint/2010/main" val="3781797894"/>
+        <p14:creationId xmlns:p14="http://schemas.microsoft.com/office/powerpoint/2010/main" xmlns="" val="3781797894"/>
       </p:ext>
     </p:extLst>
   </p:cSld>

--- a/Documentation/Presentation TSBK07 CMS.pptx
+++ b/Documentation/Presentation TSBK07 CMS.pptx
@@ -278,7 +278,7 @@
     </p:spTree>
     <p:extLst>
       <p:ext uri="{BB962C8B-B14F-4D97-AF65-F5344CB8AC3E}">
-        <p14:creationId xmlns:p14="http://schemas.microsoft.com/office/powerpoint/2010/main" xmlns="" val="1690676727"/>
+        <p14:creationId xmlns:p14="http://schemas.microsoft.com/office/powerpoint/2010/main" val="1690676727"/>
       </p:ext>
     </p:extLst>
   </p:cSld>
@@ -4003,26 +4003,66 @@
       </p:grpSpPr>
       <p:pic>
         <p:nvPicPr>
-          <p:cNvPr id="4" name="Picture 3" descr="Bild 1.JPG"/>
+          <p:cNvPr id="1028" name="Picture 4"/>
           <p:cNvPicPr>
-            <a:picLocks noChangeAspect="1"/>
+            <a:picLocks noChangeAspect="1" noChangeArrowheads="1"/>
           </p:cNvPicPr>
           <p:nvPr/>
         </p:nvPicPr>
         <p:blipFill>
-          <a:blip r:embed="rId2" cstate="print"/>
+          <a:blip r:embed="rId2">
+            <a:extLst>
+              <a:ext uri="{28A0092B-C50C-407E-A947-70E740481C1C}">
+                <a14:useLocalDpi xmlns:a14="http://schemas.microsoft.com/office/drawing/2010/main" val="0"/>
+              </a:ext>
+            </a:extLst>
+          </a:blip>
+          <a:srcRect/>
           <a:stretch>
             <a:fillRect/>
           </a:stretch>
         </p:blipFill>
-        <p:spPr>
+        <p:spPr bwMode="auto">
           <a:xfrm>
-            <a:off x="0" y="0"/>
-            <a:ext cx="9144000" cy="6858000"/>
+            <a:off x="14288" y="66675"/>
+            <a:ext cx="9113837" cy="6724650"/>
           </a:xfrm>
           <a:prstGeom prst="rect">
             <a:avLst/>
           </a:prstGeom>
+          <a:noFill/>
+          <a:ln>
+            <a:noFill/>
+          </a:ln>
+          <a:effectLst/>
+          <a:extLst>
+            <a:ext uri="{909E8E84-426E-40DD-AFC4-6F175D3DCCD1}">
+              <a14:hiddenFill xmlns:a14="http://schemas.microsoft.com/office/drawing/2010/main">
+                <a:solidFill>
+                  <a:schemeClr val="accent1"/>
+                </a:solidFill>
+              </a14:hiddenFill>
+            </a:ext>
+            <a:ext uri="{91240B29-F687-4F45-9708-019B960494DF}">
+              <a14:hiddenLine xmlns:a14="http://schemas.microsoft.com/office/drawing/2010/main" w="9525">
+                <a:solidFill>
+                  <a:schemeClr val="tx1"/>
+                </a:solidFill>
+                <a:miter lim="800000"/>
+                <a:headEnd/>
+                <a:tailEnd/>
+              </a14:hiddenLine>
+            </a:ext>
+            <a:ext uri="{AF507438-7753-43E0-B8FC-AC1667EBCBE1}">
+              <a14:hiddenEffects xmlns:a14="http://schemas.microsoft.com/office/drawing/2010/main">
+                <a:effectLst>
+                  <a:outerShdw dist="35921" dir="2700000" algn="ctr" rotWithShape="0">
+                    <a:schemeClr val="bg2"/>
+                  </a:outerShdw>
+                </a:effectLst>
+              </a14:hiddenEffects>
+            </a:ext>
+          </a:extLst>
         </p:spPr>
       </p:pic>
       <p:sp>
@@ -4037,7 +4077,7 @@
         </p:nvSpPr>
         <p:spPr>
           <a:xfrm>
-            <a:off x="609600" y="4267200"/>
+            <a:off x="685006" y="5181600"/>
             <a:ext cx="7772400" cy="1371600"/>
           </a:xfrm>
           <a:solidFill>
@@ -4709,7 +4749,7 @@
     </p:spTree>
     <p:extLst>
       <p:ext uri="{BB962C8B-B14F-4D97-AF65-F5344CB8AC3E}">
-        <p14:creationId xmlns:p14="http://schemas.microsoft.com/office/powerpoint/2010/main" xmlns="" val="2546606174"/>
+        <p14:creationId xmlns:p14="http://schemas.microsoft.com/office/powerpoint/2010/main" val="2546606174"/>
       </p:ext>
     </p:extLst>
   </p:cSld>
@@ -4846,7 +4886,7 @@
     </p:spTree>
     <p:extLst>
       <p:ext uri="{BB962C8B-B14F-4D97-AF65-F5344CB8AC3E}">
-        <p14:creationId xmlns:p14="http://schemas.microsoft.com/office/powerpoint/2010/main" xmlns="" val="2723872442"/>
+        <p14:creationId xmlns:p14="http://schemas.microsoft.com/office/powerpoint/2010/main" val="2723872442"/>
       </p:ext>
     </p:extLst>
   </p:cSld>
@@ -4974,7 +5014,7 @@
     </p:spTree>
     <p:extLst>
       <p:ext uri="{BB962C8B-B14F-4D97-AF65-F5344CB8AC3E}">
-        <p14:creationId xmlns:p14="http://schemas.microsoft.com/office/powerpoint/2010/main" xmlns="" val="2628971675"/>
+        <p14:creationId xmlns:p14="http://schemas.microsoft.com/office/powerpoint/2010/main" val="2628971675"/>
       </p:ext>
     </p:extLst>
   </p:cSld>
@@ -5147,13 +5187,20 @@
     </p:spTree>
     <p:extLst>
       <p:ext uri="{BB962C8B-B14F-4D97-AF65-F5344CB8AC3E}">
-        <p14:creationId xmlns:p14="http://schemas.microsoft.com/office/powerpoint/2010/main" xmlns="" val="1357795724"/>
+        <p14:creationId xmlns:p14="http://schemas.microsoft.com/office/powerpoint/2010/main" val="1357795724"/>
       </p:ext>
     </p:extLst>
   </p:cSld>
   <p:clrMapOvr>
     <a:masterClrMapping/>
   </p:clrMapOvr>
+  <p:timing>
+    <p:tnLst>
+      <p:par>
+        <p:cTn id="1" dur="indefinite" restart="never" nodeType="tmRoot"/>
+      </p:par>
+    </p:tnLst>
+  </p:timing>
 </p:sld>
 </file>
 
@@ -5268,7 +5315,6 @@
               <a:rPr lang="sv-SE" dirty="0" smtClean="0"/>
               <a:t> as:</a:t>
             </a:r>
-            <a:endParaRPr lang="sv-SE" dirty="0" smtClean="0"/>
           </a:p>
           <a:p>
             <a:pPr lvl="1">
@@ -5650,13 +5696,20 @@
     </p:spTree>
     <p:extLst>
       <p:ext uri="{BB962C8B-B14F-4D97-AF65-F5344CB8AC3E}">
-        <p14:creationId xmlns:p14="http://schemas.microsoft.com/office/powerpoint/2010/main" xmlns="" val="3781797894"/>
+        <p14:creationId xmlns:p14="http://schemas.microsoft.com/office/powerpoint/2010/main" val="3781797894"/>
       </p:ext>
     </p:extLst>
   </p:cSld>
   <p:clrMapOvr>
     <a:masterClrMapping/>
   </p:clrMapOvr>
+  <p:timing>
+    <p:tnLst>
+      <p:par>
+        <p:cTn id="1" dur="indefinite" restart="never" nodeType="tmRoot"/>
+      </p:par>
+    </p:tnLst>
+  </p:timing>
 </p:sld>
 </file>
 
